--- a/presentationHack4tk.pptx
+++ b/presentationHack4tk.pptx
@@ -4128,7 +4128,7 @@
         <p:spPr>
           <a:xfrm>
             <a:off x="946484" y="3160295"/>
-            <a:ext cx="7098162" cy="2308324"/>
+            <a:ext cx="7098162" cy="2031325"/>
           </a:xfrm>
           <a:prstGeom prst="rect">
             <a:avLst/>
@@ -4493,33 +4493,24 @@
               <a:buChar char="•"/>
             </a:pPr>
             <a:r>
-              <a:rPr lang="de-DE" dirty="0">
-                <a:solidFill>
-                  <a:schemeClr val="bg1"/>
-                </a:solidFill>
-                <a:latin typeface="Lato Light" charset="0"/>
-                <a:ea typeface="Lato Light" charset="0"/>
-                <a:cs typeface="Lato Light" charset="0"/>
-              </a:rPr>
-              <a:t>Space</a:t>
-            </a:r>
-          </a:p>
-          <a:p>
-            <a:pPr marL="285750" indent="-285750">
-              <a:buFont typeface="Arial" charset="0"/>
-              <a:buChar char="•"/>
-            </a:pPr>
-            <a:r>
-              <a:rPr lang="de-DE" dirty="0">
-                <a:solidFill>
-                  <a:schemeClr val="bg1"/>
-                </a:solidFill>
-                <a:latin typeface="Lato Light" charset="0"/>
-                <a:ea typeface="Lato Light" charset="0"/>
-                <a:cs typeface="Lato Light" charset="0"/>
-              </a:rPr>
-              <a:t>Space</a:t>
-            </a:r>
+              <a:rPr lang="de-DE" dirty="0" err="1">
+                <a:solidFill>
+                  <a:schemeClr val="bg1"/>
+                </a:solidFill>
+                <a:latin typeface="Lato Light" charset="0"/>
+                <a:ea typeface="Lato Light" charset="0"/>
+                <a:cs typeface="Lato Light" charset="0"/>
+              </a:rPr>
+              <a:t>Spaceholder</a:t>
+            </a:r>
+            <a:endParaRPr lang="de-DE" dirty="0">
+              <a:solidFill>
+                <a:schemeClr val="bg1"/>
+              </a:solidFill>
+              <a:latin typeface="Lato Light" charset="0"/>
+              <a:ea typeface="Lato Light" charset="0"/>
+              <a:cs typeface="Lato Light" charset="0"/>
+            </a:endParaRPr>
           </a:p>
           <a:p>
             <a:pPr marL="285750" indent="-285750">
@@ -4848,8 +4839,8 @@
         </p:nvSpPr>
         <p:spPr>
           <a:xfrm rot="326689">
-            <a:off x="9057141" y="1751322"/>
-            <a:ext cx="1165704" cy="307777"/>
+            <a:off x="9320031" y="1751322"/>
+            <a:ext cx="639919" cy="307777"/>
           </a:xfrm>
           <a:prstGeom prst="rect">
             <a:avLst/>
@@ -4868,7 +4859,7 @@
                 <a:ea typeface="Lato" charset="0"/>
                 <a:cs typeface="Lato" charset="0"/>
               </a:rPr>
-              <a:t>temperature</a:t>
+              <a:t>anger</a:t>
             </a:r>
             <a:endParaRPr lang="de-DE" sz="1400" dirty="0">
               <a:latin typeface="Lato" charset="0"/>
@@ -4887,7 +4878,7 @@
         <p:spPr>
           <a:xfrm>
             <a:off x="9118263" y="2460889"/>
-            <a:ext cx="875561" cy="307777"/>
+            <a:ext cx="606256" cy="307777"/>
           </a:xfrm>
           <a:prstGeom prst="rect">
             <a:avLst/>
@@ -4906,7 +4897,7 @@
                 <a:ea typeface="Lato" charset="0"/>
                 <a:cs typeface="Lato" charset="0"/>
               </a:rPr>
-              <a:t>humidity</a:t>
+              <a:t>delay</a:t>
             </a:r>
             <a:endParaRPr lang="de-DE" sz="1400" dirty="0">
               <a:latin typeface="Lato" charset="0"/>
@@ -4924,8 +4915,8 @@
         </p:nvSpPr>
         <p:spPr>
           <a:xfrm rot="20598976">
-            <a:off x="9146377" y="3135553"/>
-            <a:ext cx="763351" cy="307777"/>
+            <a:off x="8942926" y="3135553"/>
+            <a:ext cx="1170257" cy="307777"/>
           </a:xfrm>
           <a:prstGeom prst="rect">
             <a:avLst/>
@@ -4944,7 +4935,7 @@
                 <a:ea typeface="Lato" charset="0"/>
                 <a:cs typeface="Lato" charset="0"/>
               </a:rPr>
-              <a:t>voltage</a:t>
+              <a:t>overcrowdet</a:t>
             </a:r>
             <a:endParaRPr lang="de-DE" sz="1400" dirty="0">
               <a:latin typeface="Lato" charset="0"/>
@@ -4962,8 +4953,8 @@
         </p:nvSpPr>
         <p:spPr>
           <a:xfrm rot="604587">
-            <a:off x="9139337" y="3897130"/>
-            <a:ext cx="758541" cy="307777"/>
+            <a:off x="9108881" y="3897130"/>
+            <a:ext cx="819455" cy="307777"/>
           </a:xfrm>
           <a:prstGeom prst="rect">
             <a:avLst/>
@@ -4982,7 +4973,7 @@
                 <a:ea typeface="Lato" charset="0"/>
                 <a:cs typeface="Lato" charset="0"/>
               </a:rPr>
-              <a:t>current</a:t>
+              <a:t>anoying</a:t>
             </a:r>
             <a:endParaRPr lang="de-DE" sz="1400" dirty="0">
               <a:latin typeface="Lato" charset="0"/>
@@ -5049,7 +5040,7 @@
                 <a:ea typeface="Lato Light" charset="0"/>
                 <a:cs typeface="Lato Light" charset="0"/>
               </a:rPr>
-              <a:t>elecators</a:t>
+              <a:t>elevators</a:t>
             </a:r>
             <a:endParaRPr lang="de-DE" dirty="0">
               <a:solidFill>
@@ -5251,16 +5242,24 @@
               <a:buChar char="•"/>
             </a:pPr>
             <a:r>
-              <a:rPr lang="de-DE" dirty="0">
-                <a:solidFill>
-                  <a:schemeClr val="bg1"/>
-                </a:solidFill>
-                <a:latin typeface="Lato Light" charset="0"/>
-                <a:ea typeface="Lato Light" charset="0"/>
-                <a:cs typeface="Lato Light" charset="0"/>
-              </a:rPr>
-              <a:t>Space</a:t>
-            </a:r>
+              <a:rPr lang="de-DE" dirty="0" err="1">
+                <a:solidFill>
+                  <a:schemeClr val="bg1"/>
+                </a:solidFill>
+                <a:latin typeface="Lato Light" charset="0"/>
+                <a:ea typeface="Lato Light" charset="0"/>
+                <a:cs typeface="Lato Light" charset="0"/>
+              </a:rPr>
+              <a:t>Spaceholder</a:t>
+            </a:r>
+            <a:endParaRPr lang="de-DE" dirty="0">
+              <a:solidFill>
+                <a:schemeClr val="bg1"/>
+              </a:solidFill>
+              <a:latin typeface="Lato Light" charset="0"/>
+              <a:ea typeface="Lato Light" charset="0"/>
+              <a:cs typeface="Lato Light" charset="0"/>
+            </a:endParaRPr>
           </a:p>
           <a:p>
             <a:pPr marL="285750" indent="-285750">
@@ -6055,8 +6054,8 @@
         </p:nvSpPr>
         <p:spPr>
           <a:xfrm>
-            <a:off x="8791410" y="2526093"/>
-            <a:ext cx="1864613" cy="461665"/>
+            <a:off x="9040677" y="2526093"/>
+            <a:ext cx="1366080" cy="461665"/>
           </a:xfrm>
           <a:prstGeom prst="rect">
             <a:avLst/>
@@ -6071,7 +6070,7 @@
           <a:p>
             <a:pPr algn="ctr"/>
             <a:r>
-              <a:rPr lang="de-DE" sz="800" dirty="0">
+              <a:rPr lang="de-DE" sz="800" dirty="0" err="1">
                 <a:solidFill>
                   <a:schemeClr val="bg1"/>
                 </a:solidFill>
@@ -6079,10 +6078,10 @@
                 <a:ea typeface="Helvetica" charset="0"/>
                 <a:cs typeface="Helvetica" charset="0"/>
               </a:rPr>
-              <a:t>WARNING: </a:t>
-            </a:r>
-            <a:r>
-              <a:rPr lang="de-DE" sz="800" dirty="0" err="1">
+              <a:t>Your</a:t>
+            </a:r>
+            <a:r>
+              <a:rPr lang="de-DE" sz="800" dirty="0">
                 <a:solidFill>
                   <a:schemeClr val="bg1"/>
                 </a:solidFill>
@@ -6090,10 +6089,10 @@
                 <a:ea typeface="Helvetica" charset="0"/>
                 <a:cs typeface="Helvetica" charset="0"/>
               </a:rPr>
-              <a:t>Temperature</a:t>
-            </a:r>
-            <a:r>
-              <a:rPr lang="de-DE" sz="800" dirty="0">
+              <a:t> </a:t>
+            </a:r>
+            <a:r>
+              <a:rPr lang="de-DE" sz="800" dirty="0" err="1">
                 <a:solidFill>
                   <a:schemeClr val="bg1"/>
                 </a:solidFill>
@@ -6101,10 +6100,10 @@
                 <a:ea typeface="Helvetica" charset="0"/>
                 <a:cs typeface="Helvetica" charset="0"/>
               </a:rPr>
-              <a:t> </a:t>
-            </a:r>
-            <a:r>
-              <a:rPr lang="de-DE" sz="800" dirty="0" err="1">
+              <a:t>elevator</a:t>
+            </a:r>
+            <a:r>
+              <a:rPr lang="de-DE" sz="800" dirty="0">
                 <a:solidFill>
                   <a:schemeClr val="bg1"/>
                 </a:solidFill>
@@ -6112,10 +6111,10 @@
                 <a:ea typeface="Helvetica" charset="0"/>
                 <a:cs typeface="Helvetica" charset="0"/>
               </a:rPr>
-              <a:t>of</a:t>
-            </a:r>
-            <a:r>
-              <a:rPr lang="de-DE" sz="800" dirty="0">
+              <a:t> </a:t>
+            </a:r>
+            <a:r>
+              <a:rPr lang="de-DE" sz="800" dirty="0" err="1">
                 <a:solidFill>
                   <a:schemeClr val="bg1"/>
                 </a:solidFill>
@@ -6123,10 +6122,10 @@
                 <a:ea typeface="Helvetica" charset="0"/>
                 <a:cs typeface="Helvetica" charset="0"/>
               </a:rPr>
-              <a:t> </a:t>
-            </a:r>
-            <a:r>
-              <a:rPr lang="de-DE" sz="800" dirty="0" err="1">
+              <a:t>has</a:t>
+            </a:r>
+            <a:r>
+              <a:rPr lang="de-DE" sz="800" dirty="0">
                 <a:solidFill>
                   <a:schemeClr val="bg1"/>
                 </a:solidFill>
@@ -6134,10 +6133,10 @@
                 <a:ea typeface="Helvetica" charset="0"/>
                 <a:cs typeface="Helvetica" charset="0"/>
               </a:rPr>
-              <a:t>windmill</a:t>
-            </a:r>
-            <a:r>
-              <a:rPr lang="de-DE" sz="800" dirty="0">
+              <a:t> </a:t>
+            </a:r>
+            <a:r>
+              <a:rPr lang="de-DE" sz="800" dirty="0" err="1">
                 <a:solidFill>
                   <a:schemeClr val="bg1"/>
                 </a:solidFill>
@@ -6145,13 +6144,10 @@
                 <a:ea typeface="Helvetica" charset="0"/>
                 <a:cs typeface="Helvetica" charset="0"/>
               </a:rPr>
-              <a:t> </a:t>
-            </a:r>
-          </a:p>
-          <a:p>
-            <a:pPr algn="ctr"/>
-            <a:r>
-              <a:rPr lang="de-DE" sz="800" dirty="0" err="1">
+              <a:t>arrived</a:t>
+            </a:r>
+            <a:r>
+              <a:rPr lang="de-DE" sz="800" dirty="0">
                 <a:solidFill>
                   <a:schemeClr val="bg1"/>
                 </a:solidFill>
@@ -6159,10 +6155,13 @@
                 <a:ea typeface="Helvetica" charset="0"/>
                 <a:cs typeface="Helvetica" charset="0"/>
               </a:rPr>
-              <a:t>number</a:t>
-            </a:r>
-            <a:r>
-              <a:rPr lang="de-DE" sz="800" dirty="0">
+              <a:t>.</a:t>
+            </a:r>
+          </a:p>
+          <a:p>
+            <a:pPr algn="ctr"/>
+            <a:r>
+              <a:rPr lang="de-DE" sz="800" dirty="0" err="1">
                 <a:solidFill>
                   <a:schemeClr val="bg1"/>
                 </a:solidFill>
@@ -6170,10 +6169,10 @@
                 <a:ea typeface="Helvetica" charset="0"/>
                 <a:cs typeface="Helvetica" charset="0"/>
               </a:rPr>
-              <a:t> 3 in Essen </a:t>
-            </a:r>
-            <a:r>
-              <a:rPr lang="de-DE" sz="800" dirty="0" err="1">
+              <a:t>Please</a:t>
+            </a:r>
+            <a:r>
+              <a:rPr lang="de-DE" sz="800" dirty="0">
                 <a:solidFill>
                   <a:schemeClr val="bg1"/>
                 </a:solidFill>
@@ -6181,10 +6180,10 @@
                 <a:ea typeface="Helvetica" charset="0"/>
                 <a:cs typeface="Helvetica" charset="0"/>
               </a:rPr>
-              <a:t>is</a:t>
-            </a:r>
-            <a:r>
-              <a:rPr lang="de-DE" sz="800" dirty="0">
+              <a:t> </a:t>
+            </a:r>
+            <a:r>
+              <a:rPr lang="de-DE" sz="800" dirty="0" err="1">
                 <a:solidFill>
                   <a:schemeClr val="bg1"/>
                 </a:solidFill>
@@ -6192,10 +6191,10 @@
                 <a:ea typeface="Helvetica" charset="0"/>
                 <a:cs typeface="Helvetica" charset="0"/>
               </a:rPr>
-              <a:t> </a:t>
-            </a:r>
-            <a:r>
-              <a:rPr lang="de-DE" sz="800" dirty="0" err="1">
+              <a:t>enter</a:t>
+            </a:r>
+            <a:r>
+              <a:rPr lang="de-DE" sz="800" dirty="0">
                 <a:solidFill>
                   <a:schemeClr val="bg1"/>
                 </a:solidFill>
@@ -6203,10 +6202,10 @@
                 <a:ea typeface="Helvetica" charset="0"/>
                 <a:cs typeface="Helvetica" charset="0"/>
               </a:rPr>
-              <a:t>too</a:t>
-            </a:r>
-            <a:r>
-              <a:rPr lang="de-DE" sz="800" dirty="0">
+              <a:t> </a:t>
+            </a:r>
+            <a:r>
+              <a:rPr lang="de-DE" sz="800" dirty="0" err="1">
                 <a:solidFill>
                   <a:schemeClr val="bg1"/>
                 </a:solidFill>
@@ -6214,13 +6213,10 @@
                 <a:ea typeface="Helvetica" charset="0"/>
                 <a:cs typeface="Helvetica" charset="0"/>
               </a:rPr>
-              <a:t> high!</a:t>
-            </a:r>
-          </a:p>
-          <a:p>
-            <a:pPr algn="ctr"/>
-            <a:r>
-              <a:rPr lang="de-DE" sz="800" dirty="0" err="1">
+              <a:t>elevator</a:t>
+            </a:r>
+            <a:r>
+              <a:rPr lang="de-DE" sz="800" dirty="0">
                 <a:solidFill>
                   <a:schemeClr val="bg1"/>
                 </a:solidFill>
@@ -6228,8 +6224,11 @@
                 <a:ea typeface="Helvetica" charset="0"/>
                 <a:cs typeface="Helvetica" charset="0"/>
               </a:rPr>
-              <a:t>Please</a:t>
-            </a:r>
+              <a:t>:</a:t>
+            </a:r>
+          </a:p>
+          <a:p>
+            <a:pPr algn="ctr"/>
             <a:r>
               <a:rPr lang="de-DE" sz="800" dirty="0">
                 <a:solidFill>
@@ -6239,73 +6238,7 @@
                 <a:ea typeface="Helvetica" charset="0"/>
                 <a:cs typeface="Helvetica" charset="0"/>
               </a:rPr>
-              <a:t> </a:t>
-            </a:r>
-            <a:r>
-              <a:rPr lang="de-DE" sz="800" dirty="0" err="1">
-                <a:solidFill>
-                  <a:schemeClr val="bg1"/>
-                </a:solidFill>
-                <a:latin typeface="Helvetica" charset="0"/>
-                <a:ea typeface="Helvetica" charset="0"/>
-                <a:cs typeface="Helvetica" charset="0"/>
-              </a:rPr>
-              <a:t>contact</a:t>
-            </a:r>
-            <a:r>
-              <a:rPr lang="de-DE" sz="800" dirty="0">
-                <a:solidFill>
-                  <a:schemeClr val="bg1"/>
-                </a:solidFill>
-                <a:latin typeface="Helvetica" charset="0"/>
-                <a:ea typeface="Helvetica" charset="0"/>
-                <a:cs typeface="Helvetica" charset="0"/>
-              </a:rPr>
-              <a:t> </a:t>
-            </a:r>
-            <a:r>
-              <a:rPr lang="de-DE" sz="800" dirty="0" err="1">
-                <a:solidFill>
-                  <a:schemeClr val="bg1"/>
-                </a:solidFill>
-                <a:latin typeface="Helvetica" charset="0"/>
-                <a:ea typeface="Helvetica" charset="0"/>
-                <a:cs typeface="Helvetica" charset="0"/>
-              </a:rPr>
-              <a:t>Darth</a:t>
-            </a:r>
-            <a:r>
-              <a:rPr lang="de-DE" sz="800" dirty="0">
-                <a:solidFill>
-                  <a:schemeClr val="bg1"/>
-                </a:solidFill>
-                <a:latin typeface="Helvetica" charset="0"/>
-                <a:ea typeface="Helvetica" charset="0"/>
-                <a:cs typeface="Helvetica" charset="0"/>
-              </a:rPr>
-              <a:t> </a:t>
-            </a:r>
-            <a:r>
-              <a:rPr lang="de-DE" sz="800" dirty="0" err="1">
-                <a:solidFill>
-                  <a:schemeClr val="bg1"/>
-                </a:solidFill>
-                <a:latin typeface="Helvetica" charset="0"/>
-                <a:ea typeface="Helvetica" charset="0"/>
-                <a:cs typeface="Helvetica" charset="0"/>
-              </a:rPr>
-              <a:t>Vader</a:t>
-            </a:r>
-            <a:r>
-              <a:rPr lang="de-DE" sz="800" dirty="0">
-                <a:solidFill>
-                  <a:schemeClr val="bg1"/>
-                </a:solidFill>
-                <a:latin typeface="Helvetica" charset="0"/>
-                <a:ea typeface="Helvetica" charset="0"/>
-                <a:cs typeface="Helvetica" charset="0"/>
-              </a:rPr>
-              <a:t>.</a:t>
+              <a:t>3</a:t>
             </a:r>
           </a:p>
         </p:txBody>

--- a/presentationHack4tk.pptx
+++ b/presentationHack4tk.pptx
@@ -3337,8 +3337,8 @@
         </p:nvSpPr>
         <p:spPr>
           <a:xfrm>
-            <a:off x="3610466" y="3415017"/>
-            <a:ext cx="4616777" cy="707886"/>
+            <a:off x="3635312" y="3415017"/>
+            <a:ext cx="4567084" cy="707886"/>
           </a:xfrm>
           <a:prstGeom prst="rect">
             <a:avLst/>
@@ -3358,7 +3358,7 @@
                   <a:schemeClr val="bg1"/>
                 </a:solidFill>
               </a:rPr>
-              <a:t>„Elevator </a:t>
+              <a:t>„</a:t>
             </a:r>
             <a:r>
               <a:rPr lang="de-DE" sz="4000" b="1" dirty="0" err="1">
@@ -3366,7 +3366,23 @@
                   <a:schemeClr val="bg1"/>
                 </a:solidFill>
               </a:rPr>
-              <a:t>Algorithm</a:t>
+              <a:t>elevator</a:t>
+            </a:r>
+            <a:r>
+              <a:rPr lang="de-DE" sz="4000" b="1" dirty="0">
+                <a:solidFill>
+                  <a:schemeClr val="bg1"/>
+                </a:solidFill>
+              </a:rPr>
+              <a:t> </a:t>
+            </a:r>
+            <a:r>
+              <a:rPr lang="de-DE" sz="4000" b="1" dirty="0" err="1">
+                <a:solidFill>
+                  <a:schemeClr val="bg1"/>
+                </a:solidFill>
+              </a:rPr>
+              <a:t>algorithm</a:t>
             </a:r>
             <a:r>
               <a:rPr lang="de-DE" sz="4000" b="1" dirty="0">
@@ -3396,7 +3412,7 @@
         <p:spPr>
           <a:xfrm>
             <a:off x="4945091" y="4371338"/>
-            <a:ext cx="1625510" cy="369332"/>
+            <a:ext cx="1535549" cy="369332"/>
           </a:xfrm>
           <a:prstGeom prst="rect">
             <a:avLst/>
@@ -3439,7 +3455,23 @@
                   <a:schemeClr val="bg1"/>
                 </a:solidFill>
               </a:rPr>
-              <a:t> MOJO </a:t>
+              <a:t> </a:t>
+            </a:r>
+            <a:r>
+              <a:rPr lang="de-DE" dirty="0" err="1">
+                <a:solidFill>
+                  <a:schemeClr val="bg1"/>
+                </a:solidFill>
+              </a:rPr>
+              <a:t>mojo</a:t>
+            </a:r>
+            <a:r>
+              <a:rPr lang="de-DE" dirty="0">
+                <a:solidFill>
+                  <a:schemeClr val="bg1"/>
+                </a:solidFill>
+              </a:rPr>
+              <a:t> </a:t>
             </a:r>
           </a:p>
         </p:txBody>
@@ -3524,7 +3556,7 @@
         <p:spPr>
           <a:xfrm>
             <a:off x="779245" y="1252025"/>
-            <a:ext cx="2788456" cy="923330"/>
+            <a:ext cx="2687467" cy="923330"/>
           </a:xfrm>
           <a:prstGeom prst="rect">
             <a:avLst/>
@@ -3538,16 +3570,24 @@
           <a:lstStyle/>
           <a:p>
             <a:r>
-              <a:rPr lang="de-DE" sz="5400" b="1" dirty="0">
-                <a:solidFill>
-                  <a:schemeClr val="bg1"/>
-                </a:solidFill>
-                <a:latin typeface="Lato Light" charset="0"/>
-                <a:ea typeface="Lato Light" charset="0"/>
-                <a:cs typeface="Lato Light" charset="0"/>
-              </a:rPr>
-              <a:t>Content</a:t>
-            </a:r>
+              <a:rPr lang="de-DE" sz="5400" b="1" dirty="0" err="1">
+                <a:solidFill>
+                  <a:schemeClr val="bg1"/>
+                </a:solidFill>
+                <a:latin typeface="Lato Light" charset="0"/>
+                <a:ea typeface="Lato Light" charset="0"/>
+                <a:cs typeface="Lato Light" charset="0"/>
+              </a:rPr>
+              <a:t>content</a:t>
+            </a:r>
+            <a:endParaRPr lang="de-DE" sz="5400" b="1" dirty="0">
+              <a:solidFill>
+                <a:schemeClr val="bg1"/>
+              </a:solidFill>
+              <a:latin typeface="Lato Light" charset="0"/>
+              <a:ea typeface="Lato Light" charset="0"/>
+              <a:cs typeface="Lato Light" charset="0"/>
+            </a:endParaRPr>
           </a:p>
         </p:txBody>
       </p:sp>
@@ -3629,7 +3669,7 @@
         <p:spPr>
           <a:xfrm>
             <a:off x="946484" y="3160295"/>
-            <a:ext cx="1869614" cy="2585323"/>
+            <a:ext cx="1843966" cy="2585323"/>
           </a:xfrm>
           <a:prstGeom prst="rect">
             <a:avLst/>
@@ -3661,7 +3701,7 @@
                 <a:ea typeface="Lato Light" charset="0"/>
                 <a:cs typeface="Lato Light" charset="0"/>
               </a:rPr>
-              <a:t>Introduction</a:t>
+              <a:t>introduction</a:t>
             </a:r>
             <a:r>
               <a:rPr lang="de-DE" dirty="0">
@@ -3687,6 +3727,17 @@
               <a:buChar char="•"/>
             </a:pPr>
             <a:r>
+              <a:rPr lang="de-DE" dirty="0" err="1">
+                <a:solidFill>
+                  <a:schemeClr val="bg1"/>
+                </a:solidFill>
+                <a:latin typeface="Lato Light" charset="0"/>
+                <a:ea typeface="Lato Light" charset="0"/>
+                <a:cs typeface="Lato Light" charset="0"/>
+              </a:rPr>
+              <a:t>daily</a:t>
+            </a:r>
+            <a:r>
               <a:rPr lang="de-DE" dirty="0">
                 <a:solidFill>
                   <a:schemeClr val="bg1"/>
@@ -3695,7 +3746,7 @@
                 <a:ea typeface="Lato Light" charset="0"/>
                 <a:cs typeface="Lato Light" charset="0"/>
               </a:rPr>
-              <a:t>Daily </a:t>
+              <a:t> </a:t>
             </a:r>
             <a:r>
               <a:rPr lang="de-DE" dirty="0" err="1">
@@ -3729,16 +3780,24 @@
               <a:buChar char="•"/>
             </a:pPr>
             <a:r>
-              <a:rPr lang="de-DE" dirty="0">
-                <a:solidFill>
-                  <a:schemeClr val="bg1"/>
-                </a:solidFill>
-                <a:latin typeface="Lato Light" charset="0"/>
-                <a:ea typeface="Lato Light" charset="0"/>
-                <a:cs typeface="Lato Light" charset="0"/>
-              </a:rPr>
-              <a:t>Demo</a:t>
-            </a:r>
+              <a:rPr lang="de-DE" dirty="0" err="1">
+                <a:solidFill>
+                  <a:schemeClr val="bg1"/>
+                </a:solidFill>
+                <a:latin typeface="Lato Light" charset="0"/>
+                <a:ea typeface="Lato Light" charset="0"/>
+                <a:cs typeface="Lato Light" charset="0"/>
+              </a:rPr>
+              <a:t>demo</a:t>
+            </a:r>
+            <a:endParaRPr lang="de-DE" dirty="0">
+              <a:solidFill>
+                <a:schemeClr val="bg1"/>
+              </a:solidFill>
+              <a:latin typeface="Lato Light" charset="0"/>
+              <a:ea typeface="Lato Light" charset="0"/>
+              <a:cs typeface="Lato Light" charset="0"/>
+            </a:endParaRPr>
           </a:p>
           <a:p>
             <a:pPr marL="285750" indent="-285750">
@@ -3760,7 +3819,7 @@
                 <a:ea typeface="Lato Light" charset="0"/>
                 <a:cs typeface="Lato Light" charset="0"/>
               </a:rPr>
-              <a:t>Our</a:t>
+              <a:t>our</a:t>
             </a:r>
             <a:r>
               <a:rPr lang="de-DE" dirty="0">
@@ -3813,7 +3872,7 @@
                 <a:ea typeface="Lato Light" charset="0"/>
                 <a:cs typeface="Lato Light" charset="0"/>
               </a:rPr>
-              <a:t>Example</a:t>
+              <a:t>example</a:t>
             </a:r>
             <a:endParaRPr lang="de-DE" dirty="0">
               <a:solidFill>
@@ -3844,7 +3903,7 @@
                 <a:ea typeface="Lato Light" charset="0"/>
                 <a:cs typeface="Lato Light" charset="0"/>
               </a:rPr>
-              <a:t>Conclusion</a:t>
+              <a:t>conclusion</a:t>
             </a:r>
             <a:endParaRPr lang="de-DE" dirty="0">
               <a:solidFill>
@@ -3949,7 +4008,7 @@
         <p:spPr>
           <a:xfrm>
             <a:off x="779245" y="1252025"/>
-            <a:ext cx="3949030" cy="923330"/>
+            <a:ext cx="3933000" cy="923330"/>
           </a:xfrm>
           <a:prstGeom prst="rect">
             <a:avLst/>
@@ -3971,7 +4030,7 @@
                 <a:ea typeface="Lato Light" charset="0"/>
                 <a:cs typeface="Lato Light" charset="0"/>
               </a:rPr>
-              <a:t>Introduction</a:t>
+              <a:t>introduction</a:t>
             </a:r>
             <a:endParaRPr lang="de-DE" sz="5400" dirty="0">
               <a:solidFill>
@@ -4154,7 +4213,7 @@
                 <a:ea typeface="Lato Light" charset="0"/>
                 <a:cs typeface="Lato Light" charset="0"/>
               </a:rPr>
-              <a:t>Fast and Smart </a:t>
+              <a:t>fast and Smart </a:t>
             </a:r>
             <a:r>
               <a:rPr lang="de-DE" dirty="0" err="1">
@@ -4344,7 +4403,7 @@
                 <a:ea typeface="Lato Light" charset="0"/>
                 <a:cs typeface="Lato Light" charset="0"/>
               </a:rPr>
-              <a:t>Notification</a:t>
+              <a:t>notification</a:t>
             </a:r>
             <a:r>
               <a:rPr lang="de-DE" dirty="0">
@@ -4650,7 +4709,7 @@
         <p:spPr>
           <a:xfrm>
             <a:off x="779245" y="1252025"/>
-            <a:ext cx="4377032" cy="923330"/>
+            <a:ext cx="4298484" cy="923330"/>
           </a:xfrm>
           <a:prstGeom prst="rect">
             <a:avLst/>
@@ -4664,6 +4723,17 @@
           <a:lstStyle/>
           <a:p>
             <a:r>
+              <a:rPr lang="de-DE" sz="5400" dirty="0" err="1">
+                <a:solidFill>
+                  <a:schemeClr val="bg1"/>
+                </a:solidFill>
+                <a:latin typeface="Lato Light" charset="0"/>
+                <a:ea typeface="Lato Light" charset="0"/>
+                <a:cs typeface="Lato Light" charset="0"/>
+              </a:rPr>
+              <a:t>daily</a:t>
+            </a:r>
+            <a:r>
               <a:rPr lang="de-DE" sz="5400" dirty="0">
                 <a:solidFill>
                   <a:schemeClr val="bg1"/>
@@ -4672,7 +4742,7 @@
                 <a:ea typeface="Lato Light" charset="0"/>
                 <a:cs typeface="Lato Light" charset="0"/>
               </a:rPr>
-              <a:t>Daily </a:t>
+              <a:t> </a:t>
             </a:r>
             <a:r>
               <a:rPr lang="de-DE" sz="5400" dirty="0" err="1">
@@ -4915,8 +4985,8 @@
         </p:nvSpPr>
         <p:spPr>
           <a:xfrm rot="20598976">
-            <a:off x="8942926" y="3135553"/>
-            <a:ext cx="1170257" cy="307777"/>
+            <a:off x="8920484" y="3135553"/>
+            <a:ext cx="1215141" cy="307777"/>
           </a:xfrm>
           <a:prstGeom prst="rect">
             <a:avLst/>
@@ -4935,7 +5005,7 @@
                 <a:ea typeface="Lato" charset="0"/>
                 <a:cs typeface="Lato" charset="0"/>
               </a:rPr>
-              <a:t>overcrowdet</a:t>
+              <a:t>overcrowded</a:t>
             </a:r>
             <a:endParaRPr lang="de-DE" sz="1400" dirty="0">
               <a:latin typeface="Lato" charset="0"/>
@@ -5018,7 +5088,7 @@
                 <a:ea typeface="Lato Light" charset="0"/>
                 <a:cs typeface="Lato Light" charset="0"/>
               </a:rPr>
-              <a:t>Crowded</a:t>
+              <a:t>crowded</a:t>
             </a:r>
             <a:r>
               <a:rPr lang="de-DE" dirty="0">
@@ -5057,6 +5127,17 @@
               <a:buChar char="•"/>
             </a:pPr>
             <a:r>
+              <a:rPr lang="de-DE" dirty="0" err="1">
+                <a:solidFill>
+                  <a:schemeClr val="bg1"/>
+                </a:solidFill>
+                <a:latin typeface="Lato Light" charset="0"/>
+                <a:ea typeface="Lato Light" charset="0"/>
+                <a:cs typeface="Lato Light" charset="0"/>
+              </a:rPr>
+              <a:t>long</a:t>
+            </a:r>
+            <a:r>
               <a:rPr lang="de-DE" dirty="0">
                 <a:solidFill>
                   <a:schemeClr val="bg1"/>
@@ -5065,7 +5146,7 @@
                 <a:ea typeface="Lato Light" charset="0"/>
                 <a:cs typeface="Lato Light" charset="0"/>
               </a:rPr>
-              <a:t>Long </a:t>
+              <a:t> </a:t>
             </a:r>
             <a:r>
               <a:rPr lang="de-DE" dirty="0" err="1">
@@ -5118,6 +5199,17 @@
               <a:buChar char="•"/>
             </a:pPr>
             <a:r>
+              <a:rPr lang="de-DE" dirty="0" err="1">
+                <a:solidFill>
+                  <a:schemeClr val="bg1"/>
+                </a:solidFill>
+                <a:latin typeface="Lato Light" charset="0"/>
+                <a:ea typeface="Lato Light" charset="0"/>
+                <a:cs typeface="Lato Light" charset="0"/>
+              </a:rPr>
+              <a:t>long</a:t>
+            </a:r>
+            <a:r>
               <a:rPr lang="de-DE" dirty="0">
                 <a:solidFill>
                   <a:schemeClr val="bg1"/>
@@ -5126,7 +5218,7 @@
                 <a:ea typeface="Lato Light" charset="0"/>
                 <a:cs typeface="Lato Light" charset="0"/>
               </a:rPr>
-              <a:t>Long </a:t>
+              <a:t> </a:t>
             </a:r>
             <a:r>
               <a:rPr lang="de-DE" dirty="0" err="1">
@@ -5581,7 +5673,7 @@
         <p:spPr>
           <a:xfrm>
             <a:off x="779245" y="1252025"/>
-            <a:ext cx="2034531" cy="923330"/>
+            <a:ext cx="1955985" cy="923330"/>
           </a:xfrm>
           <a:prstGeom prst="rect">
             <a:avLst/>
@@ -5595,16 +5687,24 @@
           <a:lstStyle/>
           <a:p>
             <a:r>
-              <a:rPr lang="de-DE" sz="5400" dirty="0">
-                <a:solidFill>
-                  <a:schemeClr val="bg1"/>
-                </a:solidFill>
-                <a:latin typeface="Lato Light" charset="0"/>
-                <a:ea typeface="Lato Light" charset="0"/>
-                <a:cs typeface="Lato Light" charset="0"/>
-              </a:rPr>
-              <a:t>Demo</a:t>
-            </a:r>
+              <a:rPr lang="de-DE" sz="5400" dirty="0" err="1">
+                <a:solidFill>
+                  <a:schemeClr val="bg1"/>
+                </a:solidFill>
+                <a:latin typeface="Lato Light" charset="0"/>
+                <a:ea typeface="Lato Light" charset="0"/>
+                <a:cs typeface="Lato Light" charset="0"/>
+              </a:rPr>
+              <a:t>demo</a:t>
+            </a:r>
+            <a:endParaRPr lang="de-DE" sz="5400" dirty="0">
+              <a:solidFill>
+                <a:schemeClr val="bg1"/>
+              </a:solidFill>
+              <a:latin typeface="Lato Light" charset="0"/>
+              <a:ea typeface="Lato Light" charset="0"/>
+              <a:cs typeface="Lato Light" charset="0"/>
+            </a:endParaRPr>
           </a:p>
         </p:txBody>
       </p:sp>
@@ -5823,7 +5923,7 @@
         <p:spPr>
           <a:xfrm>
             <a:off x="779245" y="1252025"/>
-            <a:ext cx="3985386" cy="923330"/>
+            <a:ext cx="3868367" cy="923330"/>
           </a:xfrm>
           <a:prstGeom prst="rect">
             <a:avLst/>
@@ -5845,7 +5945,7 @@
                 <a:ea typeface="Lato Light" charset="0"/>
                 <a:cs typeface="Lato Light" charset="0"/>
               </a:rPr>
-              <a:t>Our</a:t>
+              <a:t>our</a:t>
             </a:r>
             <a:r>
               <a:rPr lang="de-DE" sz="5400" dirty="0">
@@ -6546,7 +6646,7 @@
         <p:spPr>
           <a:xfrm>
             <a:off x="779245" y="1252025"/>
-            <a:ext cx="3547766" cy="923330"/>
+            <a:ext cx="3440365" cy="923330"/>
           </a:xfrm>
           <a:prstGeom prst="rect">
             <a:avLst/>
@@ -6568,7 +6668,7 @@
                 <a:ea typeface="Lato Light" charset="0"/>
                 <a:cs typeface="Lato Light" charset="0"/>
               </a:rPr>
-              <a:t>Conclusion</a:t>
+              <a:t>conclusion</a:t>
             </a:r>
             <a:endParaRPr lang="de-DE" sz="5400" dirty="0">
               <a:solidFill>
@@ -6751,7 +6851,7 @@
                 <a:ea typeface="Lato Light" charset="0"/>
                 <a:cs typeface="Lato Light" charset="0"/>
               </a:rPr>
-              <a:t>No</a:t>
+              <a:t>no</a:t>
             </a:r>
             <a:r>
               <a:rPr lang="de-DE" sz="2000" dirty="0">
@@ -6908,7 +7008,7 @@
                 <a:ea typeface="Lato Light" charset="0"/>
                 <a:cs typeface="Lato Light" charset="0"/>
               </a:rPr>
-              <a:t>Spending</a:t>
+              <a:t>spending</a:t>
             </a:r>
             <a:r>
               <a:rPr lang="de-DE" sz="2000" dirty="0">
@@ -6980,7 +7080,7 @@
                 <a:ea typeface="Lato Light" charset="0"/>
                 <a:cs typeface="Lato Light" charset="0"/>
               </a:rPr>
-              <a:t>Fastest </a:t>
+              <a:t>fastest </a:t>
             </a:r>
             <a:r>
               <a:rPr lang="de-DE" sz="2000" dirty="0" err="1">
@@ -7082,7 +7182,7 @@
                 <a:ea typeface="Lato Light" charset="0"/>
                 <a:cs typeface="Lato Light" charset="0"/>
               </a:rPr>
-              <a:t>Notification</a:t>
+              <a:t>notification</a:t>
             </a:r>
             <a:r>
               <a:rPr lang="de-DE" sz="2000" dirty="0">
@@ -7364,7 +7464,7 @@
                 <a:ea typeface="Lato Light" charset="0"/>
                 <a:cs typeface="Lato Light" charset="0"/>
               </a:rPr>
-              <a:t>Thank</a:t>
+              <a:t>thank</a:t>
             </a:r>
             <a:r>
               <a:rPr lang="de-DE" sz="3600" dirty="0">

--- a/presentationHack4tk.pptx
+++ b/presentationHack4tk.pptx
@@ -3337,8 +3337,8 @@
         </p:nvSpPr>
         <p:spPr>
           <a:xfrm>
-            <a:off x="3635312" y="3415017"/>
-            <a:ext cx="4567084" cy="707886"/>
+            <a:off x="2901492" y="3415017"/>
+            <a:ext cx="6034729" cy="707886"/>
           </a:xfrm>
           <a:prstGeom prst="rect">
             <a:avLst/>
@@ -3358,23 +3358,15 @@
                   <a:schemeClr val="bg1"/>
                 </a:solidFill>
               </a:rPr>
-              <a:t>„</a:t>
-            </a:r>
-            <a:r>
-              <a:rPr lang="de-DE" sz="4000" b="1" dirty="0" err="1">
-                <a:solidFill>
-                  <a:schemeClr val="bg1"/>
-                </a:solidFill>
-              </a:rPr>
-              <a:t>elevator</a:t>
-            </a:r>
-            <a:r>
-              <a:rPr lang="de-DE" sz="4000" b="1" dirty="0">
-                <a:solidFill>
-                  <a:schemeClr val="bg1"/>
-                </a:solidFill>
-              </a:rPr>
-              <a:t> </a:t>
+              <a:t>„MULTI </a:t>
+            </a:r>
+            <a:r>
+              <a:rPr lang="de-DE" sz="4000" b="1">
+                <a:solidFill>
+                  <a:schemeClr val="bg1"/>
+                </a:solidFill>
+              </a:rPr>
+              <a:t>elevator </a:t>
             </a:r>
             <a:r>
               <a:rPr lang="de-DE" sz="4000" b="1" dirty="0" err="1">
@@ -4187,7 +4179,7 @@
         <p:spPr>
           <a:xfrm>
             <a:off x="946484" y="3160295"/>
-            <a:ext cx="7098162" cy="2031325"/>
+            <a:ext cx="7041030" cy="1477328"/>
           </a:xfrm>
           <a:prstGeom prst="rect">
             <a:avLst/>
@@ -4213,7 +4205,7 @@
                 <a:ea typeface="Lato Light" charset="0"/>
                 <a:cs typeface="Lato Light" charset="0"/>
               </a:rPr>
-              <a:t>fast and Smart </a:t>
+              <a:t>fast and smart </a:t>
             </a:r>
             <a:r>
               <a:rPr lang="de-DE" dirty="0" err="1">
@@ -4537,45 +4529,6 @@
               </a:rPr>
               <a:t>cabine</a:t>
             </a:r>
-            <a:endParaRPr lang="de-DE" dirty="0">
-              <a:solidFill>
-                <a:schemeClr val="bg1"/>
-              </a:solidFill>
-              <a:latin typeface="Lato Light" charset="0"/>
-              <a:ea typeface="Lato Light" charset="0"/>
-              <a:cs typeface="Lato Light" charset="0"/>
-            </a:endParaRPr>
-          </a:p>
-          <a:p>
-            <a:pPr marL="285750" indent="-285750">
-              <a:buFont typeface="Arial" charset="0"/>
-              <a:buChar char="•"/>
-            </a:pPr>
-            <a:r>
-              <a:rPr lang="de-DE" dirty="0" err="1">
-                <a:solidFill>
-                  <a:schemeClr val="bg1"/>
-                </a:solidFill>
-                <a:latin typeface="Lato Light" charset="0"/>
-                <a:ea typeface="Lato Light" charset="0"/>
-                <a:cs typeface="Lato Light" charset="0"/>
-              </a:rPr>
-              <a:t>Spaceholder</a:t>
-            </a:r>
-            <a:endParaRPr lang="de-DE" dirty="0">
-              <a:solidFill>
-                <a:schemeClr val="bg1"/>
-              </a:solidFill>
-              <a:latin typeface="Lato Light" charset="0"/>
-              <a:ea typeface="Lato Light" charset="0"/>
-              <a:cs typeface="Lato Light" charset="0"/>
-            </a:endParaRPr>
-          </a:p>
-          <a:p>
-            <a:pPr marL="285750" indent="-285750">
-              <a:buFont typeface="Arial" charset="0"/>
-              <a:buChar char="•"/>
-            </a:pPr>
             <a:endParaRPr lang="de-DE" dirty="0">
               <a:solidFill>
                 <a:schemeClr val="bg1"/>
@@ -5062,7 +5015,7 @@
         <p:spPr>
           <a:xfrm>
             <a:off x="946484" y="3219243"/>
-            <a:ext cx="5104603" cy="2308324"/>
+            <a:ext cx="5051704" cy="2031325"/>
           </a:xfrm>
           <a:prstGeom prst="rect">
             <a:avLst/>
@@ -5318,31 +5271,6 @@
                 <a:cs typeface="Lato Light" charset="0"/>
               </a:rPr>
               <a:t>stops</a:t>
-            </a:r>
-            <a:endParaRPr lang="de-DE" dirty="0">
-              <a:solidFill>
-                <a:schemeClr val="bg1"/>
-              </a:solidFill>
-              <a:latin typeface="Lato Light" charset="0"/>
-              <a:ea typeface="Lato Light" charset="0"/>
-              <a:cs typeface="Lato Light" charset="0"/>
-            </a:endParaRPr>
-          </a:p>
-          <a:p>
-            <a:pPr marL="285750" indent="-285750">
-              <a:buFont typeface="Arial" charset="0"/>
-              <a:buChar char="•"/>
-            </a:pPr>
-            <a:r>
-              <a:rPr lang="de-DE" dirty="0" err="1">
-                <a:solidFill>
-                  <a:schemeClr val="bg1"/>
-                </a:solidFill>
-                <a:latin typeface="Lato Light" charset="0"/>
-                <a:ea typeface="Lato Light" charset="0"/>
-                <a:cs typeface="Lato Light" charset="0"/>
-              </a:rPr>
-              <a:t>Spaceholder</a:t>
             </a:r>
             <a:endParaRPr lang="de-DE" dirty="0">
               <a:solidFill>

--- a/presentationHack4tk.pptx
+++ b/presentationHack4tk.pptx
@@ -3361,12 +3361,20 @@
               <a:t>„MULTI </a:t>
             </a:r>
             <a:r>
-              <a:rPr lang="de-DE" sz="4000" b="1">
-                <a:solidFill>
-                  <a:schemeClr val="bg1"/>
-                </a:solidFill>
-              </a:rPr>
-              <a:t>elevator </a:t>
+              <a:rPr lang="de-DE" sz="4000" b="1" dirty="0" err="1">
+                <a:solidFill>
+                  <a:schemeClr val="bg1"/>
+                </a:solidFill>
+              </a:rPr>
+              <a:t>elevator</a:t>
+            </a:r>
+            <a:r>
+              <a:rPr lang="de-DE" sz="4000" b="1" dirty="0">
+                <a:solidFill>
+                  <a:schemeClr val="bg1"/>
+                </a:solidFill>
+              </a:rPr>
+              <a:t> </a:t>
             </a:r>
             <a:r>
               <a:rPr lang="de-DE" sz="4000" b="1" dirty="0" err="1">
@@ -4529,14 +4537,17 @@
               </a:rPr>
               <a:t>cabine</a:t>
             </a:r>
-            <a:endParaRPr lang="de-DE" dirty="0">
-              <a:solidFill>
-                <a:schemeClr val="bg1"/>
-              </a:solidFill>
-              <a:latin typeface="Lato Light" charset="0"/>
-              <a:ea typeface="Lato Light" charset="0"/>
-              <a:cs typeface="Lato Light" charset="0"/>
-            </a:endParaRPr>
+            <a:r>
+              <a:rPr lang="de-DE" dirty="0">
+                <a:solidFill>
+                  <a:schemeClr val="bg1"/>
+                </a:solidFill>
+                <a:latin typeface="Lato Light" charset="0"/>
+                <a:ea typeface="Lato Light" charset="0"/>
+                <a:cs typeface="Lato Light" charset="0"/>
+              </a:rPr>
+              <a:t> </a:t>
+            </a:r>
           </a:p>
           <a:p>
             <a:pPr marL="285750" indent="-285750">

--- a/presentationHack4tk.pptx
+++ b/presentationHack4tk.pptx
@@ -3958,6 +3958,42 @@
           </a:p>
         </p:txBody>
       </p:sp>
+      <p:pic>
+        <p:nvPicPr>
+          <p:cNvPr id="5" name="Bild 15">
+            <a:extLst>
+              <a:ext uri="{FF2B5EF4-FFF2-40B4-BE49-F238E27FC236}">
+                <a16:creationId xmlns:a16="http://schemas.microsoft.com/office/drawing/2014/main" id="{0F3A9D2B-AF2F-46DC-82F0-C11816E03332}"/>
+              </a:ext>
+            </a:extLst>
+          </p:cNvPr>
+          <p:cNvPicPr>
+            <a:picLocks noChangeAspect="1"/>
+          </p:cNvPicPr>
+          <p:nvPr/>
+        </p:nvPicPr>
+        <p:blipFill>
+          <a:blip r:embed="rId2">
+            <a:extLst>
+              <a:ext uri="{28A0092B-C50C-407E-A947-70E740481C1C}">
+                <a14:useLocalDpi xmlns:a14="http://schemas.microsoft.com/office/drawing/2010/main" val="0"/>
+              </a:ext>
+            </a:extLst>
+          </a:blip>
+          <a:stretch>
+            <a:fillRect/>
+          </a:stretch>
+        </p:blipFill>
+        <p:spPr>
+          <a:xfrm>
+            <a:off x="10626624" y="115249"/>
+            <a:ext cx="1426029" cy="1101607"/>
+          </a:xfrm>
+          <a:prstGeom prst="rect">
+            <a:avLst/>
+          </a:prstGeom>
+        </p:spPr>
+      </p:pic>
     </p:spTree>
     <p:extLst>
       <p:ext uri="{BB962C8B-B14F-4D97-AF65-F5344CB8AC3E}">
@@ -4170,7 +4206,7 @@
         </p:blipFill>
         <p:spPr>
           <a:xfrm>
-            <a:off x="10626624" y="150418"/>
+            <a:off x="10626624" y="115249"/>
             <a:ext cx="1426029" cy="1101607"/>
           </a:xfrm>
           <a:prstGeom prst="rect">
@@ -4187,7 +4223,7 @@
         <p:spPr>
           <a:xfrm>
             <a:off x="946484" y="3160295"/>
-            <a:ext cx="7041030" cy="1477328"/>
+            <a:ext cx="5467138" cy="1754326"/>
           </a:xfrm>
           <a:prstGeom prst="rect">
             <a:avLst/>
@@ -4237,17 +4273,12 @@
               </a:rPr>
               <a:t> </a:t>
             </a:r>
-            <a:r>
-              <a:rPr lang="de-DE" dirty="0" err="1">
-                <a:solidFill>
-                  <a:schemeClr val="bg1"/>
-                </a:solidFill>
-                <a:latin typeface="Lato Light" charset="0"/>
-                <a:ea typeface="Lato Light" charset="0"/>
-                <a:cs typeface="Lato Light" charset="0"/>
-              </a:rPr>
-              <a:t>to</a:t>
-            </a:r>
+          </a:p>
+          <a:p>
+            <a:pPr marL="285750" indent="-285750">
+              <a:buFont typeface="Arial" charset="0"/>
+              <a:buChar char="•"/>
+            </a:pPr>
             <a:r>
               <a:rPr lang="de-DE" dirty="0">
                 <a:solidFill>
@@ -4257,7 +4288,7 @@
                 <a:ea typeface="Lato Light" charset="0"/>
                 <a:cs typeface="Lato Light" charset="0"/>
               </a:rPr>
-              <a:t> find </a:t>
+              <a:t>find </a:t>
             </a:r>
             <a:r>
               <a:rPr lang="de-DE" dirty="0" err="1">

--- a/presentationHack4tk.pptx
+++ b/presentationHack4tk.pptx
@@ -3337,8 +3337,8 @@
         </p:nvSpPr>
         <p:spPr>
           <a:xfrm>
-            <a:off x="2901492" y="3415017"/>
-            <a:ext cx="6034729" cy="707886"/>
+            <a:off x="3120560" y="3415017"/>
+            <a:ext cx="5596596" cy="707886"/>
           </a:xfrm>
           <a:prstGeom prst="rect">
             <a:avLst/>
@@ -3358,7 +3358,7 @@
                   <a:schemeClr val="bg1"/>
                 </a:solidFill>
               </a:rPr>
-              <a:t>„MULTI </a:t>
+              <a:t>MULTI </a:t>
             </a:r>
             <a:r>
               <a:rPr lang="de-DE" sz="4000" b="1" dirty="0" err="1">
@@ -3383,14 +3383,6 @@
                 </a:solidFill>
               </a:rPr>
               <a:t>algorithm</a:t>
-            </a:r>
-            <a:r>
-              <a:rPr lang="de-DE" sz="4000" b="1" dirty="0">
-                <a:solidFill>
-                  <a:schemeClr val="bg1"/>
-                </a:solidFill>
-              </a:rPr>
-              <a:t>“</a:t>
             </a:r>
             <a:endParaRPr lang="de-DE" sz="4000" b="1" dirty="0">
               <a:solidFill>
@@ -4223,7 +4215,7 @@
         <p:spPr>
           <a:xfrm>
             <a:off x="946484" y="3160295"/>
-            <a:ext cx="5467138" cy="1754326"/>
+            <a:ext cx="5467138" cy="2031325"/>
           </a:xfrm>
           <a:prstGeom prst="rect">
             <a:avLst/>
@@ -4273,6 +4265,64 @@
               </a:rPr>
               <a:t> </a:t>
             </a:r>
+          </a:p>
+          <a:p>
+            <a:pPr marL="285750" indent="-285750">
+              <a:buFont typeface="Arial" charset="0"/>
+              <a:buChar char="•"/>
+            </a:pPr>
+            <a:r>
+              <a:rPr lang="de-DE" dirty="0">
+                <a:solidFill>
+                  <a:schemeClr val="bg1"/>
+                </a:solidFill>
+                <a:latin typeface="Lato Light" charset="0"/>
+                <a:ea typeface="Lato Light" charset="0"/>
+                <a:cs typeface="Lato Light" charset="0"/>
+              </a:rPr>
+              <a:t>c</a:t>
+            </a:r>
+            <a:r>
+              <a:rPr lang="de-DE">
+                <a:solidFill>
+                  <a:schemeClr val="bg1"/>
+                </a:solidFill>
+                <a:latin typeface="Lato Light" charset="0"/>
+                <a:ea typeface="Lato Light" charset="0"/>
+                <a:cs typeface="Lato Light" charset="0"/>
+              </a:rPr>
+              <a:t>ost</a:t>
+            </a:r>
+            <a:r>
+              <a:rPr lang="de-DE" dirty="0">
+                <a:solidFill>
+                  <a:schemeClr val="bg1"/>
+                </a:solidFill>
+                <a:latin typeface="Lato Light" charset="0"/>
+                <a:ea typeface="Lato Light" charset="0"/>
+                <a:cs typeface="Lato Light" charset="0"/>
+              </a:rPr>
+              <a:t> </a:t>
+            </a:r>
+            <a:r>
+              <a:rPr lang="de-DE" dirty="0" err="1">
+                <a:solidFill>
+                  <a:schemeClr val="bg1"/>
+                </a:solidFill>
+                <a:latin typeface="Lato Light" charset="0"/>
+                <a:ea typeface="Lato Light" charset="0"/>
+                <a:cs typeface="Lato Light" charset="0"/>
+              </a:rPr>
+              <a:t>efficient</a:t>
+            </a:r>
+            <a:endParaRPr lang="de-DE" dirty="0">
+              <a:solidFill>
+                <a:schemeClr val="bg1"/>
+              </a:solidFill>
+              <a:latin typeface="Lato Light" charset="0"/>
+              <a:ea typeface="Lato Light" charset="0"/>
+              <a:cs typeface="Lato Light" charset="0"/>
+            </a:endParaRPr>
           </a:p>
           <a:p>
             <a:pPr marL="285750" indent="-285750">

--- a/presentationHack4tk.pptx
+++ b/presentationHack4tk.pptx
@@ -3470,28 +3470,27 @@
       </p:sp>
       <p:pic>
         <p:nvPicPr>
-          <p:cNvPr id="9" name="Bild 8"/>
+          <p:cNvPr id="5" name="Grafik 4">
+            <a:extLst>
+              <a:ext uri="{FF2B5EF4-FFF2-40B4-BE49-F238E27FC236}">
+                <a16:creationId xmlns:a16="http://schemas.microsoft.com/office/drawing/2014/main" id="{6960C46A-BF24-4F9C-96DD-535415BC37E0}"/>
+              </a:ext>
+            </a:extLst>
+          </p:cNvPr>
           <p:cNvPicPr>
             <a:picLocks noChangeAspect="1"/>
           </p:cNvPicPr>
           <p:nvPr/>
         </p:nvPicPr>
-        <p:blipFill>
-          <a:blip r:embed="rId2">
-            <a:extLst>
-              <a:ext uri="{28A0092B-C50C-407E-A947-70E740481C1C}">
-                <a14:useLocalDpi xmlns:a14="http://schemas.microsoft.com/office/drawing/2010/main" val="0"/>
-              </a:ext>
-            </a:extLst>
-          </a:blip>
-          <a:stretch>
-            <a:fillRect/>
-          </a:stretch>
+        <p:blipFill rotWithShape="1">
+          <a:blip r:embed="rId2"/>
+          <a:srcRect l="5185" t="7006" r="4874" b="8075"/>
+          <a:stretch/>
         </p:blipFill>
         <p:spPr>
           <a:xfrm>
-            <a:off x="4559253" y="1066001"/>
-            <a:ext cx="2719199" cy="2100581"/>
+            <a:off x="3859823" y="492369"/>
+            <a:ext cx="4132385" cy="2760785"/>
           </a:xfrm>
           <a:prstGeom prst="rect">
             <a:avLst/>
@@ -3952,10 +3951,10 @@
       </p:sp>
       <p:pic>
         <p:nvPicPr>
-          <p:cNvPr id="5" name="Bild 15">
+          <p:cNvPr id="6" name="Grafik 5">
             <a:extLst>
               <a:ext uri="{FF2B5EF4-FFF2-40B4-BE49-F238E27FC236}">
-                <a16:creationId xmlns:a16="http://schemas.microsoft.com/office/drawing/2014/main" id="{0F3A9D2B-AF2F-46DC-82F0-C11816E03332}"/>
+                <a16:creationId xmlns:a16="http://schemas.microsoft.com/office/drawing/2014/main" id="{FA5463E2-8385-4321-B1A6-D6521FFFA0F0}"/>
               </a:ext>
             </a:extLst>
           </p:cNvPr>
@@ -3964,22 +3963,15 @@
           </p:cNvPicPr>
           <p:nvPr/>
         </p:nvPicPr>
-        <p:blipFill>
-          <a:blip r:embed="rId2">
-            <a:extLst>
-              <a:ext uri="{28A0092B-C50C-407E-A947-70E740481C1C}">
-                <a14:useLocalDpi xmlns:a14="http://schemas.microsoft.com/office/drawing/2010/main" val="0"/>
-              </a:ext>
-            </a:extLst>
-          </a:blip>
-          <a:stretch>
-            <a:fillRect/>
-          </a:stretch>
+        <p:blipFill rotWithShape="1">
+          <a:blip r:embed="rId2"/>
+          <a:srcRect l="9011" t="7606" r="7307" b="15840"/>
+          <a:stretch/>
         </p:blipFill>
         <p:spPr>
           <a:xfrm>
-            <a:off x="10626624" y="115249"/>
-            <a:ext cx="1426029" cy="1101607"/>
+            <a:off x="10251830" y="193430"/>
+            <a:ext cx="1635369" cy="1058595"/>
           </a:xfrm>
           <a:prstGeom prst="rect">
             <a:avLst/>
@@ -4176,36 +4168,6 @@
           </a:p>
         </p:txBody>
       </p:sp>
-      <p:pic>
-        <p:nvPicPr>
-          <p:cNvPr id="16" name="Bild 15"/>
-          <p:cNvPicPr>
-            <a:picLocks noChangeAspect="1"/>
-          </p:cNvPicPr>
-          <p:nvPr/>
-        </p:nvPicPr>
-        <p:blipFill>
-          <a:blip r:embed="rId2">
-            <a:extLst>
-              <a:ext uri="{28A0092B-C50C-407E-A947-70E740481C1C}">
-                <a14:useLocalDpi xmlns:a14="http://schemas.microsoft.com/office/drawing/2010/main" val="0"/>
-              </a:ext>
-            </a:extLst>
-          </a:blip>
-          <a:stretch>
-            <a:fillRect/>
-          </a:stretch>
-        </p:blipFill>
-        <p:spPr>
-          <a:xfrm>
-            <a:off x="10626624" y="115249"/>
-            <a:ext cx="1426029" cy="1101607"/>
-          </a:xfrm>
-          <a:prstGeom prst="rect">
-            <a:avLst/>
-          </a:prstGeom>
-        </p:spPr>
-      </p:pic>
       <p:sp>
         <p:nvSpPr>
           <p:cNvPr id="2" name="Textfeld 1"/>
@@ -4272,26 +4234,15 @@
               <a:buChar char="•"/>
             </a:pPr>
             <a:r>
-              <a:rPr lang="de-DE" dirty="0">
-                <a:solidFill>
-                  <a:schemeClr val="bg1"/>
-                </a:solidFill>
-                <a:latin typeface="Lato Light" charset="0"/>
-                <a:ea typeface="Lato Light" charset="0"/>
-                <a:cs typeface="Lato Light" charset="0"/>
-              </a:rPr>
-              <a:t>c</a:t>
-            </a:r>
-            <a:r>
-              <a:rPr lang="de-DE">
-                <a:solidFill>
-                  <a:schemeClr val="bg1"/>
-                </a:solidFill>
-                <a:latin typeface="Lato Light" charset="0"/>
-                <a:ea typeface="Lato Light" charset="0"/>
-                <a:cs typeface="Lato Light" charset="0"/>
-              </a:rPr>
-              <a:t>ost</a:t>
+              <a:rPr lang="de-DE" dirty="0" err="1">
+                <a:solidFill>
+                  <a:schemeClr val="bg1"/>
+                </a:solidFill>
+                <a:latin typeface="Lato Light" charset="0"/>
+                <a:ea typeface="Lato Light" charset="0"/>
+                <a:cs typeface="Lato Light" charset="0"/>
+              </a:rPr>
+              <a:t>cost</a:t>
             </a:r>
             <a:r>
               <a:rPr lang="de-DE" dirty="0">
@@ -4674,6 +4625,35 @@
           </a:p>
         </p:txBody>
       </p:sp>
+      <p:pic>
+        <p:nvPicPr>
+          <p:cNvPr id="9" name="Grafik 8">
+            <a:extLst>
+              <a:ext uri="{FF2B5EF4-FFF2-40B4-BE49-F238E27FC236}">
+                <a16:creationId xmlns:a16="http://schemas.microsoft.com/office/drawing/2014/main" id="{A801E958-F4C8-4223-ACBF-76C1B8A9978C}"/>
+              </a:ext>
+            </a:extLst>
+          </p:cNvPr>
+          <p:cNvPicPr>
+            <a:picLocks noChangeAspect="1"/>
+          </p:cNvPicPr>
+          <p:nvPr/>
+        </p:nvPicPr>
+        <p:blipFill rotWithShape="1">
+          <a:blip r:embed="rId2"/>
+          <a:srcRect l="7212" t="9037" r="7307" b="9101"/>
+          <a:stretch/>
+        </p:blipFill>
+        <p:spPr>
+          <a:xfrm>
+            <a:off x="10216662" y="213218"/>
+            <a:ext cx="1670538" cy="1132005"/>
+          </a:xfrm>
+          <a:prstGeom prst="rect">
+            <a:avLst/>
+          </a:prstGeom>
+        </p:spPr>
+      </p:pic>
     </p:spTree>
     <p:extLst>
       <p:ext uri="{BB962C8B-B14F-4D97-AF65-F5344CB8AC3E}">
@@ -4916,36 +4896,6 @@
           </a:p>
         </p:txBody>
       </p:sp>
-      <p:pic>
-        <p:nvPicPr>
-          <p:cNvPr id="16" name="Bild 15"/>
-          <p:cNvPicPr>
-            <a:picLocks noChangeAspect="1"/>
-          </p:cNvPicPr>
-          <p:nvPr/>
-        </p:nvPicPr>
-        <p:blipFill>
-          <a:blip r:embed="rId3">
-            <a:extLst>
-              <a:ext uri="{28A0092B-C50C-407E-A947-70E740481C1C}">
-                <a14:useLocalDpi xmlns:a14="http://schemas.microsoft.com/office/drawing/2010/main" val="0"/>
-              </a:ext>
-            </a:extLst>
-          </a:blip>
-          <a:stretch>
-            <a:fillRect/>
-          </a:stretch>
-        </p:blipFill>
-        <p:spPr>
-          <a:xfrm>
-            <a:off x="10626624" y="150418"/>
-            <a:ext cx="1426029" cy="1101607"/>
-          </a:xfrm>
-          <a:prstGeom prst="rect">
-            <a:avLst/>
-          </a:prstGeom>
-        </p:spPr>
-      </p:pic>
       <p:sp>
         <p:nvSpPr>
           <p:cNvPr id="2" name="Textfeld 1"/>
@@ -5431,6 +5381,35 @@
           </a:p>
         </p:txBody>
       </p:sp>
+      <p:pic>
+        <p:nvPicPr>
+          <p:cNvPr id="12" name="Grafik 11">
+            <a:extLst>
+              <a:ext uri="{FF2B5EF4-FFF2-40B4-BE49-F238E27FC236}">
+                <a16:creationId xmlns:a16="http://schemas.microsoft.com/office/drawing/2014/main" id="{35ACDD33-216B-44E1-9A71-F0078C862D92}"/>
+              </a:ext>
+            </a:extLst>
+          </p:cNvPr>
+          <p:cNvPicPr>
+            <a:picLocks noChangeAspect="1"/>
+          </p:cNvPicPr>
+          <p:nvPr/>
+        </p:nvPicPr>
+        <p:blipFill rotWithShape="1">
+          <a:blip r:embed="rId3"/>
+          <a:srcRect l="7212" t="7114" r="5958" b="7386"/>
+          <a:stretch/>
+        </p:blipFill>
+        <p:spPr>
+          <a:xfrm>
+            <a:off x="10216662" y="186614"/>
+            <a:ext cx="1696915" cy="1182325"/>
+          </a:xfrm>
+          <a:prstGeom prst="rect">
+            <a:avLst/>
+          </a:prstGeom>
+        </p:spPr>
+      </p:pic>
     </p:spTree>
     <p:extLst>
       <p:ext uri="{BB962C8B-B14F-4D97-AF65-F5344CB8AC3E}">
@@ -5835,28 +5814,27 @@
       </p:sp>
       <p:pic>
         <p:nvPicPr>
-          <p:cNvPr id="16" name="Bild 15"/>
+          <p:cNvPr id="6" name="Grafik 5">
+            <a:extLst>
+              <a:ext uri="{FF2B5EF4-FFF2-40B4-BE49-F238E27FC236}">
+                <a16:creationId xmlns:a16="http://schemas.microsoft.com/office/drawing/2014/main" id="{EC7CC1C6-1123-4B80-885E-9EE0ED998D9A}"/>
+              </a:ext>
+            </a:extLst>
+          </p:cNvPr>
           <p:cNvPicPr>
             <a:picLocks noChangeAspect="1"/>
           </p:cNvPicPr>
           <p:nvPr/>
         </p:nvPicPr>
-        <p:blipFill>
-          <a:blip r:embed="rId2">
-            <a:extLst>
-              <a:ext uri="{28A0092B-C50C-407E-A947-70E740481C1C}">
-                <a14:useLocalDpi xmlns:a14="http://schemas.microsoft.com/office/drawing/2010/main" val="0"/>
-              </a:ext>
-            </a:extLst>
-          </a:blip>
-          <a:stretch>
-            <a:fillRect/>
-          </a:stretch>
+        <p:blipFill rotWithShape="1">
+          <a:blip r:embed="rId2"/>
+          <a:srcRect l="6761" t="9038" r="2319" b="10372"/>
+          <a:stretch/>
         </p:blipFill>
         <p:spPr>
           <a:xfrm>
-            <a:off x="10626624" y="150418"/>
-            <a:ext cx="1426029" cy="1101607"/>
+            <a:off x="10207869" y="213218"/>
+            <a:ext cx="1776808" cy="1114420"/>
           </a:xfrm>
           <a:prstGeom prst="rect">
             <a:avLst/>
@@ -6107,7 +6085,7 @@
       </p:sp>
       <p:pic>
         <p:nvPicPr>
-          <p:cNvPr id="16" name="Bild 15"/>
+          <p:cNvPr id="2" name="Bild 1"/>
           <p:cNvPicPr>
             <a:picLocks noChangeAspect="1"/>
           </p:cNvPicPr>
@@ -6115,36 +6093,6 @@
         </p:nvPicPr>
         <p:blipFill>
           <a:blip r:embed="rId4">
-            <a:extLst>
-              <a:ext uri="{28A0092B-C50C-407E-A947-70E740481C1C}">
-                <a14:useLocalDpi xmlns:a14="http://schemas.microsoft.com/office/drawing/2010/main" val="0"/>
-              </a:ext>
-            </a:extLst>
-          </a:blip>
-          <a:stretch>
-            <a:fillRect/>
-          </a:stretch>
-        </p:blipFill>
-        <p:spPr>
-          <a:xfrm>
-            <a:off x="10626624" y="150418"/>
-            <a:ext cx="1426029" cy="1101607"/>
-          </a:xfrm>
-          <a:prstGeom prst="rect">
-            <a:avLst/>
-          </a:prstGeom>
-        </p:spPr>
-      </p:pic>
-      <p:pic>
-        <p:nvPicPr>
-          <p:cNvPr id="2" name="Bild 1"/>
-          <p:cNvPicPr>
-            <a:picLocks noChangeAspect="1"/>
-          </p:cNvPicPr>
-          <p:nvPr/>
-        </p:nvPicPr>
-        <p:blipFill>
-          <a:blip r:embed="rId5">
             <a:alphaModFix amt="69000"/>
             <a:extLst>
               <a:ext uri="{28A0092B-C50C-407E-A947-70E740481C1C}">
@@ -6363,6 +6311,35 @@
           </a:p>
         </p:txBody>
       </p:sp>
+      <p:pic>
+        <p:nvPicPr>
+          <p:cNvPr id="9" name="Grafik 8">
+            <a:extLst>
+              <a:ext uri="{FF2B5EF4-FFF2-40B4-BE49-F238E27FC236}">
+                <a16:creationId xmlns:a16="http://schemas.microsoft.com/office/drawing/2014/main" id="{E6778EDD-CA19-4375-A84F-C002F2396DD9}"/>
+              </a:ext>
+            </a:extLst>
+          </p:cNvPr>
+          <p:cNvPicPr>
+            <a:picLocks noChangeAspect="1"/>
+          </p:cNvPicPr>
+          <p:nvPr/>
+        </p:nvPicPr>
+        <p:blipFill rotWithShape="1">
+          <a:blip r:embed="rId5"/>
+          <a:srcRect l="8111" t="9038" r="9822" b="4650"/>
+          <a:stretch/>
+        </p:blipFill>
+        <p:spPr>
+          <a:xfrm>
+            <a:off x="10234246" y="213218"/>
+            <a:ext cx="1603808" cy="1193551"/>
+          </a:xfrm>
+          <a:prstGeom prst="rect">
+            <a:avLst/>
+          </a:prstGeom>
+        </p:spPr>
+      </p:pic>
     </p:spTree>
     <p:extLst>
       <p:ext uri="{BB962C8B-B14F-4D97-AF65-F5344CB8AC3E}">
@@ -6806,9 +6783,554 @@
           </a:p>
         </p:txBody>
       </p:sp>
+      <p:sp>
+        <p:nvSpPr>
+          <p:cNvPr id="2" name="Textfeld 1"/>
+          <p:cNvSpPr txBox="1"/>
+          <p:nvPr/>
+        </p:nvSpPr>
+        <p:spPr>
+          <a:xfrm>
+            <a:off x="962526" y="2711116"/>
+            <a:ext cx="5199565" cy="2246769"/>
+          </a:xfrm>
+          <a:prstGeom prst="rect">
+            <a:avLst/>
+          </a:prstGeom>
+          <a:noFill/>
+        </p:spPr>
+        <p:txBody>
+          <a:bodyPr wrap="none" rtlCol="0">
+            <a:spAutoFit/>
+          </a:bodyPr>
+          <a:lstStyle/>
+          <a:p>
+            <a:pPr marL="342900" indent="-342900">
+              <a:buFont typeface="Arial" charset="0"/>
+              <a:buChar char="•"/>
+            </a:pPr>
+            <a:r>
+              <a:rPr lang="de-DE" sz="2000" dirty="0" err="1">
+                <a:solidFill>
+                  <a:schemeClr val="bg1"/>
+                </a:solidFill>
+                <a:latin typeface="Lato Light" charset="0"/>
+                <a:ea typeface="Lato Light" charset="0"/>
+                <a:cs typeface="Lato Light" charset="0"/>
+              </a:rPr>
+              <a:t>no</a:t>
+            </a:r>
+            <a:r>
+              <a:rPr lang="de-DE" sz="2000" dirty="0">
+                <a:solidFill>
+                  <a:schemeClr val="bg1"/>
+                </a:solidFill>
+                <a:latin typeface="Lato Light" charset="0"/>
+                <a:ea typeface="Lato Light" charset="0"/>
+                <a:cs typeface="Lato Light" charset="0"/>
+              </a:rPr>
+              <a:t> </a:t>
+            </a:r>
+            <a:r>
+              <a:rPr lang="de-DE" sz="2000" dirty="0" err="1">
+                <a:solidFill>
+                  <a:schemeClr val="bg1"/>
+                </a:solidFill>
+                <a:latin typeface="Lato Light" charset="0"/>
+                <a:ea typeface="Lato Light" charset="0"/>
+                <a:cs typeface="Lato Light" charset="0"/>
+              </a:rPr>
+              <a:t>waste</a:t>
+            </a:r>
+            <a:r>
+              <a:rPr lang="de-DE" sz="2000" dirty="0">
+                <a:solidFill>
+                  <a:schemeClr val="bg1"/>
+                </a:solidFill>
+                <a:latin typeface="Lato Light" charset="0"/>
+                <a:ea typeface="Lato Light" charset="0"/>
+                <a:cs typeface="Lato Light" charset="0"/>
+              </a:rPr>
+              <a:t> </a:t>
+            </a:r>
+            <a:r>
+              <a:rPr lang="de-DE" sz="2000" dirty="0" err="1">
+                <a:solidFill>
+                  <a:schemeClr val="bg1"/>
+                </a:solidFill>
+                <a:latin typeface="Lato Light" charset="0"/>
+                <a:ea typeface="Lato Light" charset="0"/>
+                <a:cs typeface="Lato Light" charset="0"/>
+              </a:rPr>
+              <a:t>of</a:t>
+            </a:r>
+            <a:r>
+              <a:rPr lang="de-DE" sz="2000" dirty="0">
+                <a:solidFill>
+                  <a:schemeClr val="bg1"/>
+                </a:solidFill>
+                <a:latin typeface="Lato Light" charset="0"/>
+                <a:ea typeface="Lato Light" charset="0"/>
+                <a:cs typeface="Lato Light" charset="0"/>
+              </a:rPr>
+              <a:t> time </a:t>
+            </a:r>
+            <a:r>
+              <a:rPr lang="de-DE" sz="2000" dirty="0" err="1">
+                <a:solidFill>
+                  <a:schemeClr val="bg1"/>
+                </a:solidFill>
+                <a:latin typeface="Lato Light" charset="0"/>
+                <a:ea typeface="Lato Light" charset="0"/>
+                <a:cs typeface="Lato Light" charset="0"/>
+              </a:rPr>
+              <a:t>waiting</a:t>
+            </a:r>
+            <a:r>
+              <a:rPr lang="de-DE" sz="2000" dirty="0">
+                <a:solidFill>
+                  <a:schemeClr val="bg1"/>
+                </a:solidFill>
+                <a:latin typeface="Lato Light" charset="0"/>
+                <a:ea typeface="Lato Light" charset="0"/>
+                <a:cs typeface="Lato Light" charset="0"/>
+              </a:rPr>
+              <a:t> </a:t>
+            </a:r>
+            <a:r>
+              <a:rPr lang="de-DE" sz="2000" dirty="0" err="1">
+                <a:solidFill>
+                  <a:schemeClr val="bg1"/>
+                </a:solidFill>
+                <a:latin typeface="Lato Light" charset="0"/>
+                <a:ea typeface="Lato Light" charset="0"/>
+                <a:cs typeface="Lato Light" charset="0"/>
+              </a:rPr>
+              <a:t>for</a:t>
+            </a:r>
+            <a:r>
+              <a:rPr lang="de-DE" sz="2000" dirty="0">
+                <a:solidFill>
+                  <a:schemeClr val="bg1"/>
+                </a:solidFill>
+                <a:latin typeface="Lato Light" charset="0"/>
+                <a:ea typeface="Lato Light" charset="0"/>
+                <a:cs typeface="Lato Light" charset="0"/>
+              </a:rPr>
+              <a:t> </a:t>
+            </a:r>
+            <a:r>
+              <a:rPr lang="de-DE" sz="2000" dirty="0" err="1">
+                <a:solidFill>
+                  <a:schemeClr val="bg1"/>
+                </a:solidFill>
+                <a:latin typeface="Lato Light" charset="0"/>
+                <a:ea typeface="Lato Light" charset="0"/>
+                <a:cs typeface="Lato Light" charset="0"/>
+              </a:rPr>
+              <a:t>the</a:t>
+            </a:r>
+            <a:r>
+              <a:rPr lang="de-DE" sz="2000" dirty="0">
+                <a:solidFill>
+                  <a:schemeClr val="bg1"/>
+                </a:solidFill>
+                <a:latin typeface="Lato Light" charset="0"/>
+                <a:ea typeface="Lato Light" charset="0"/>
+                <a:cs typeface="Lato Light" charset="0"/>
+              </a:rPr>
+              <a:t> </a:t>
+            </a:r>
+            <a:r>
+              <a:rPr lang="de-DE" sz="2000" dirty="0" err="1">
+                <a:solidFill>
+                  <a:schemeClr val="bg1"/>
+                </a:solidFill>
+                <a:latin typeface="Lato Light" charset="0"/>
+                <a:ea typeface="Lato Light" charset="0"/>
+                <a:cs typeface="Lato Light" charset="0"/>
+              </a:rPr>
+              <a:t>elevator</a:t>
+            </a:r>
+            <a:endParaRPr lang="de-DE" sz="2000" dirty="0">
+              <a:solidFill>
+                <a:schemeClr val="bg1"/>
+              </a:solidFill>
+              <a:latin typeface="Lato Light" charset="0"/>
+              <a:ea typeface="Lato Light" charset="0"/>
+              <a:cs typeface="Lato Light" charset="0"/>
+            </a:endParaRPr>
+          </a:p>
+          <a:p>
+            <a:pPr marL="342900" indent="-342900">
+              <a:buFont typeface="Arial" charset="0"/>
+              <a:buChar char="•"/>
+            </a:pPr>
+            <a:r>
+              <a:rPr lang="de-DE" sz="2000" dirty="0" err="1">
+                <a:solidFill>
+                  <a:schemeClr val="bg1"/>
+                </a:solidFill>
+                <a:latin typeface="Lato Light" charset="0"/>
+                <a:ea typeface="Lato Light" charset="0"/>
+                <a:cs typeface="Lato Light" charset="0"/>
+              </a:rPr>
+              <a:t>spending</a:t>
+            </a:r>
+            <a:r>
+              <a:rPr lang="de-DE" sz="2000" dirty="0">
+                <a:solidFill>
+                  <a:schemeClr val="bg1"/>
+                </a:solidFill>
+                <a:latin typeface="Lato Light" charset="0"/>
+                <a:ea typeface="Lato Light" charset="0"/>
+                <a:cs typeface="Lato Light" charset="0"/>
+              </a:rPr>
+              <a:t> time on </a:t>
+            </a:r>
+            <a:r>
+              <a:rPr lang="de-DE" sz="2000" dirty="0" err="1">
+                <a:solidFill>
+                  <a:schemeClr val="bg1"/>
+                </a:solidFill>
+                <a:latin typeface="Lato Light" charset="0"/>
+                <a:ea typeface="Lato Light" charset="0"/>
+                <a:cs typeface="Lato Light" charset="0"/>
+              </a:rPr>
+              <a:t>thing</a:t>
+            </a:r>
+            <a:r>
+              <a:rPr lang="de-DE" sz="2000" dirty="0">
+                <a:solidFill>
+                  <a:schemeClr val="bg1"/>
+                </a:solidFill>
+                <a:latin typeface="Lato Light" charset="0"/>
+                <a:ea typeface="Lato Light" charset="0"/>
+                <a:cs typeface="Lato Light" charset="0"/>
+              </a:rPr>
+              <a:t> </a:t>
+            </a:r>
+            <a:r>
+              <a:rPr lang="de-DE" sz="2000" dirty="0" err="1">
+                <a:solidFill>
+                  <a:schemeClr val="bg1"/>
+                </a:solidFill>
+                <a:latin typeface="Lato Light" charset="0"/>
+                <a:ea typeface="Lato Light" charset="0"/>
+                <a:cs typeface="Lato Light" charset="0"/>
+              </a:rPr>
+              <a:t>that</a:t>
+            </a:r>
+            <a:r>
+              <a:rPr lang="de-DE" sz="2000" dirty="0">
+                <a:solidFill>
+                  <a:schemeClr val="bg1"/>
+                </a:solidFill>
+                <a:latin typeface="Lato Light" charset="0"/>
+                <a:ea typeface="Lato Light" charset="0"/>
+                <a:cs typeface="Lato Light" charset="0"/>
+              </a:rPr>
+              <a:t> matter</a:t>
+            </a:r>
+          </a:p>
+          <a:p>
+            <a:pPr marL="342900" indent="-342900">
+              <a:buFont typeface="Arial" charset="0"/>
+              <a:buChar char="•"/>
+            </a:pPr>
+            <a:r>
+              <a:rPr lang="de-DE" sz="2000" dirty="0">
+                <a:solidFill>
+                  <a:schemeClr val="bg1"/>
+                </a:solidFill>
+                <a:latin typeface="Lato Light" charset="0"/>
+                <a:ea typeface="Lato Light" charset="0"/>
+                <a:cs typeface="Lato Light" charset="0"/>
+              </a:rPr>
+              <a:t>fastest </a:t>
+            </a:r>
+            <a:r>
+              <a:rPr lang="de-DE" sz="2000" dirty="0" err="1">
+                <a:solidFill>
+                  <a:schemeClr val="bg1"/>
+                </a:solidFill>
+                <a:latin typeface="Lato Light" charset="0"/>
+                <a:ea typeface="Lato Light" charset="0"/>
+                <a:cs typeface="Lato Light" charset="0"/>
+              </a:rPr>
+              <a:t>way</a:t>
+            </a:r>
+            <a:r>
+              <a:rPr lang="de-DE" sz="2000" dirty="0">
+                <a:solidFill>
+                  <a:schemeClr val="bg1"/>
+                </a:solidFill>
+                <a:latin typeface="Lato Light" charset="0"/>
+                <a:ea typeface="Lato Light" charset="0"/>
+                <a:cs typeface="Lato Light" charset="0"/>
+              </a:rPr>
+              <a:t> </a:t>
+            </a:r>
+            <a:r>
+              <a:rPr lang="de-DE" sz="2000" dirty="0" err="1">
+                <a:solidFill>
+                  <a:schemeClr val="bg1"/>
+                </a:solidFill>
+                <a:latin typeface="Lato Light" charset="0"/>
+                <a:ea typeface="Lato Light" charset="0"/>
+                <a:cs typeface="Lato Light" charset="0"/>
+              </a:rPr>
+              <a:t>to</a:t>
+            </a:r>
+            <a:r>
+              <a:rPr lang="de-DE" sz="2000" dirty="0">
+                <a:solidFill>
+                  <a:schemeClr val="bg1"/>
+                </a:solidFill>
+                <a:latin typeface="Lato Light" charset="0"/>
+                <a:ea typeface="Lato Light" charset="0"/>
+                <a:cs typeface="Lato Light" charset="0"/>
+              </a:rPr>
+              <a:t> </a:t>
+            </a:r>
+            <a:r>
+              <a:rPr lang="de-DE" sz="2000" dirty="0" err="1">
+                <a:solidFill>
+                  <a:schemeClr val="bg1"/>
+                </a:solidFill>
+                <a:latin typeface="Lato Light" charset="0"/>
+                <a:ea typeface="Lato Light" charset="0"/>
+                <a:cs typeface="Lato Light" charset="0"/>
+              </a:rPr>
+              <a:t>your</a:t>
+            </a:r>
+            <a:r>
+              <a:rPr lang="de-DE" sz="2000" dirty="0">
+                <a:solidFill>
+                  <a:schemeClr val="bg1"/>
+                </a:solidFill>
+                <a:latin typeface="Lato Light" charset="0"/>
+                <a:ea typeface="Lato Light" charset="0"/>
+                <a:cs typeface="Lato Light" charset="0"/>
+              </a:rPr>
+              <a:t> </a:t>
+            </a:r>
+            <a:r>
+              <a:rPr lang="de-DE" sz="2000" dirty="0" err="1">
+                <a:solidFill>
+                  <a:schemeClr val="bg1"/>
+                </a:solidFill>
+                <a:latin typeface="Lato Light" charset="0"/>
+                <a:ea typeface="Lato Light" charset="0"/>
+                <a:cs typeface="Lato Light" charset="0"/>
+              </a:rPr>
+              <a:t>destination</a:t>
+            </a:r>
+            <a:endParaRPr lang="de-DE" sz="2000" dirty="0">
+              <a:solidFill>
+                <a:schemeClr val="bg1"/>
+              </a:solidFill>
+              <a:latin typeface="Lato Light" charset="0"/>
+              <a:ea typeface="Lato Light" charset="0"/>
+              <a:cs typeface="Lato Light" charset="0"/>
+            </a:endParaRPr>
+          </a:p>
+          <a:p>
+            <a:pPr marL="342900" indent="-342900">
+              <a:buFont typeface="Arial" charset="0"/>
+              <a:buChar char="•"/>
+            </a:pPr>
+            <a:r>
+              <a:rPr lang="de-DE" sz="2000" dirty="0" err="1">
+                <a:solidFill>
+                  <a:schemeClr val="bg1"/>
+                </a:solidFill>
+                <a:latin typeface="Lato Light" charset="0"/>
+                <a:ea typeface="Lato Light" charset="0"/>
+                <a:cs typeface="Lato Light" charset="0"/>
+              </a:rPr>
+              <a:t>notification</a:t>
+            </a:r>
+            <a:r>
+              <a:rPr lang="de-DE" sz="2000" dirty="0">
+                <a:solidFill>
+                  <a:schemeClr val="bg1"/>
+                </a:solidFill>
+                <a:latin typeface="Lato Light" charset="0"/>
+                <a:ea typeface="Lato Light" charset="0"/>
+                <a:cs typeface="Lato Light" charset="0"/>
+              </a:rPr>
+              <a:t> </a:t>
+            </a:r>
+            <a:r>
+              <a:rPr lang="de-DE" sz="2000" dirty="0" err="1">
+                <a:solidFill>
+                  <a:schemeClr val="bg1"/>
+                </a:solidFill>
+                <a:latin typeface="Lato Light" charset="0"/>
+                <a:ea typeface="Lato Light" charset="0"/>
+                <a:cs typeface="Lato Light" charset="0"/>
+              </a:rPr>
+              <a:t>of</a:t>
+            </a:r>
+            <a:r>
+              <a:rPr lang="de-DE" sz="2000" dirty="0">
+                <a:solidFill>
+                  <a:schemeClr val="bg1"/>
+                </a:solidFill>
+                <a:latin typeface="Lato Light" charset="0"/>
+                <a:ea typeface="Lato Light" charset="0"/>
+                <a:cs typeface="Lato Light" charset="0"/>
+              </a:rPr>
+              <a:t> </a:t>
+            </a:r>
+            <a:r>
+              <a:rPr lang="de-DE" sz="2000" dirty="0" err="1">
+                <a:solidFill>
+                  <a:schemeClr val="bg1"/>
+                </a:solidFill>
+                <a:latin typeface="Lato Light" charset="0"/>
+                <a:ea typeface="Lato Light" charset="0"/>
+                <a:cs typeface="Lato Light" charset="0"/>
+              </a:rPr>
+              <a:t>the</a:t>
+            </a:r>
+            <a:r>
+              <a:rPr lang="de-DE" sz="2000" dirty="0">
+                <a:solidFill>
+                  <a:schemeClr val="bg1"/>
+                </a:solidFill>
+                <a:latin typeface="Lato Light" charset="0"/>
+                <a:ea typeface="Lato Light" charset="0"/>
+                <a:cs typeface="Lato Light" charset="0"/>
+              </a:rPr>
+              <a:t> </a:t>
+            </a:r>
+            <a:r>
+              <a:rPr lang="de-DE" sz="2000" dirty="0" err="1">
+                <a:solidFill>
+                  <a:schemeClr val="bg1"/>
+                </a:solidFill>
+                <a:latin typeface="Lato Light" charset="0"/>
+                <a:ea typeface="Lato Light" charset="0"/>
+                <a:cs typeface="Lato Light" charset="0"/>
+              </a:rPr>
+              <a:t>arrival</a:t>
+            </a:r>
+            <a:r>
+              <a:rPr lang="de-DE" sz="2000" dirty="0">
+                <a:solidFill>
+                  <a:schemeClr val="bg1"/>
+                </a:solidFill>
+                <a:latin typeface="Lato Light" charset="0"/>
+                <a:ea typeface="Lato Light" charset="0"/>
+                <a:cs typeface="Lato Light" charset="0"/>
+              </a:rPr>
+              <a:t> </a:t>
+            </a:r>
+            <a:r>
+              <a:rPr lang="de-DE" sz="2000" dirty="0" err="1">
+                <a:solidFill>
+                  <a:schemeClr val="bg1"/>
+                </a:solidFill>
+                <a:latin typeface="Lato Light" charset="0"/>
+                <a:ea typeface="Lato Light" charset="0"/>
+                <a:cs typeface="Lato Light" charset="0"/>
+              </a:rPr>
+              <a:t>of</a:t>
+            </a:r>
+            <a:r>
+              <a:rPr lang="de-DE" sz="2000" dirty="0">
+                <a:solidFill>
+                  <a:schemeClr val="bg1"/>
+                </a:solidFill>
+                <a:latin typeface="Lato Light" charset="0"/>
+                <a:ea typeface="Lato Light" charset="0"/>
+                <a:cs typeface="Lato Light" charset="0"/>
+              </a:rPr>
+              <a:t> </a:t>
+            </a:r>
+            <a:r>
+              <a:rPr lang="de-DE" sz="2000" dirty="0" err="1">
+                <a:solidFill>
+                  <a:schemeClr val="bg1"/>
+                </a:solidFill>
+                <a:latin typeface="Lato Light" charset="0"/>
+                <a:ea typeface="Lato Light" charset="0"/>
+                <a:cs typeface="Lato Light" charset="0"/>
+              </a:rPr>
+              <a:t>your</a:t>
+            </a:r>
+            <a:r>
+              <a:rPr lang="de-DE" sz="2000" dirty="0">
+                <a:solidFill>
+                  <a:schemeClr val="bg1"/>
+                </a:solidFill>
+                <a:latin typeface="Lato Light" charset="0"/>
+                <a:ea typeface="Lato Light" charset="0"/>
+                <a:cs typeface="Lato Light" charset="0"/>
+              </a:rPr>
+              <a:t> </a:t>
+            </a:r>
+            <a:r>
+              <a:rPr lang="de-DE" sz="2000" dirty="0" err="1">
+                <a:solidFill>
+                  <a:schemeClr val="bg1"/>
+                </a:solidFill>
+                <a:latin typeface="Lato Light" charset="0"/>
+                <a:ea typeface="Lato Light" charset="0"/>
+                <a:cs typeface="Lato Light" charset="0"/>
+              </a:rPr>
+              <a:t>elevator</a:t>
+            </a:r>
+            <a:endParaRPr lang="de-DE" sz="2000" dirty="0">
+              <a:solidFill>
+                <a:schemeClr val="bg1"/>
+              </a:solidFill>
+              <a:latin typeface="Lato Light" charset="0"/>
+              <a:ea typeface="Lato Light" charset="0"/>
+              <a:cs typeface="Lato Light" charset="0"/>
+            </a:endParaRPr>
+          </a:p>
+          <a:p>
+            <a:pPr marL="342900" indent="-342900">
+              <a:buFont typeface="Arial" charset="0"/>
+              <a:buChar char="•"/>
+            </a:pPr>
+            <a:endParaRPr lang="de-DE" sz="2000" dirty="0">
+              <a:solidFill>
+                <a:schemeClr val="bg1"/>
+              </a:solidFill>
+              <a:latin typeface="Lato Light" charset="0"/>
+              <a:ea typeface="Lato Light" charset="0"/>
+              <a:cs typeface="Lato Light" charset="0"/>
+            </a:endParaRPr>
+          </a:p>
+          <a:p>
+            <a:endParaRPr lang="de-DE" sz="2000" dirty="0">
+              <a:solidFill>
+                <a:schemeClr val="bg1"/>
+              </a:solidFill>
+              <a:latin typeface="Lato Light" charset="0"/>
+              <a:ea typeface="Lato Light" charset="0"/>
+              <a:cs typeface="Lato Light" charset="0"/>
+            </a:endParaRPr>
+          </a:p>
+          <a:p>
+            <a:endParaRPr lang="de-DE" sz="2000" dirty="0">
+              <a:solidFill>
+                <a:schemeClr val="bg1"/>
+              </a:solidFill>
+              <a:latin typeface="Lato Light" charset="0"/>
+              <a:ea typeface="Lato Light" charset="0"/>
+              <a:cs typeface="Lato Light" charset="0"/>
+            </a:endParaRPr>
+          </a:p>
+        </p:txBody>
+      </p:sp>
       <p:pic>
         <p:nvPicPr>
-          <p:cNvPr id="16" name="Bild 15"/>
+          <p:cNvPr id="3" name="Bild 2" descr="business4.png"/>
           <p:cNvPicPr>
             <a:picLocks noChangeAspect="1"/>
           </p:cNvPicPr>
@@ -6828,583 +7350,37 @@
         </p:blipFill>
         <p:spPr>
           <a:xfrm>
-            <a:off x="10626624" y="150418"/>
-            <a:ext cx="1426029" cy="1101607"/>
+            <a:off x="5692338" y="777119"/>
+            <a:ext cx="6003476" cy="6003476"/>
           </a:xfrm>
           <a:prstGeom prst="rect">
             <a:avLst/>
           </a:prstGeom>
         </p:spPr>
       </p:pic>
-      <p:sp>
-        <p:nvSpPr>
-          <p:cNvPr id="2" name="Textfeld 1"/>
-          <p:cNvSpPr txBox="1"/>
-          <p:nvPr/>
-        </p:nvSpPr>
-        <p:spPr>
-          <a:xfrm>
-            <a:off x="962526" y="2711116"/>
-            <a:ext cx="5199565" cy="2246769"/>
-          </a:xfrm>
-          <a:prstGeom prst="rect">
-            <a:avLst/>
-          </a:prstGeom>
-          <a:noFill/>
-        </p:spPr>
-        <p:txBody>
-          <a:bodyPr wrap="none" rtlCol="0">
-            <a:spAutoFit/>
-          </a:bodyPr>
-          <a:lstStyle/>
-          <a:p>
-            <a:pPr marL="342900" indent="-342900">
-              <a:buFont typeface="Arial" charset="0"/>
-              <a:buChar char="•"/>
-            </a:pPr>
-            <a:r>
-              <a:rPr lang="de-DE" sz="2000" dirty="0" err="1">
-                <a:solidFill>
-                  <a:schemeClr val="bg1"/>
-                </a:solidFill>
-                <a:latin typeface="Lato Light" charset="0"/>
-                <a:ea typeface="Lato Light" charset="0"/>
-                <a:cs typeface="Lato Light" charset="0"/>
-              </a:rPr>
-              <a:t>no</a:t>
-            </a:r>
-            <a:r>
-              <a:rPr lang="de-DE" sz="2000" dirty="0">
-                <a:solidFill>
-                  <a:schemeClr val="bg1"/>
-                </a:solidFill>
-                <a:latin typeface="Lato Light" charset="0"/>
-                <a:ea typeface="Lato Light" charset="0"/>
-                <a:cs typeface="Lato Light" charset="0"/>
-              </a:rPr>
-              <a:t> </a:t>
-            </a:r>
-            <a:r>
-              <a:rPr lang="de-DE" sz="2000" dirty="0" err="1">
-                <a:solidFill>
-                  <a:schemeClr val="bg1"/>
-                </a:solidFill>
-                <a:latin typeface="Lato Light" charset="0"/>
-                <a:ea typeface="Lato Light" charset="0"/>
-                <a:cs typeface="Lato Light" charset="0"/>
-              </a:rPr>
-              <a:t>waste</a:t>
-            </a:r>
-            <a:r>
-              <a:rPr lang="de-DE" sz="2000" dirty="0">
-                <a:solidFill>
-                  <a:schemeClr val="bg1"/>
-                </a:solidFill>
-                <a:latin typeface="Lato Light" charset="0"/>
-                <a:ea typeface="Lato Light" charset="0"/>
-                <a:cs typeface="Lato Light" charset="0"/>
-              </a:rPr>
-              <a:t> </a:t>
-            </a:r>
-            <a:r>
-              <a:rPr lang="de-DE" sz="2000" dirty="0" err="1">
-                <a:solidFill>
-                  <a:schemeClr val="bg1"/>
-                </a:solidFill>
-                <a:latin typeface="Lato Light" charset="0"/>
-                <a:ea typeface="Lato Light" charset="0"/>
-                <a:cs typeface="Lato Light" charset="0"/>
-              </a:rPr>
-              <a:t>of</a:t>
-            </a:r>
-            <a:r>
-              <a:rPr lang="de-DE" sz="2000" dirty="0">
-                <a:solidFill>
-                  <a:schemeClr val="bg1"/>
-                </a:solidFill>
-                <a:latin typeface="Lato Light" charset="0"/>
-                <a:ea typeface="Lato Light" charset="0"/>
-                <a:cs typeface="Lato Light" charset="0"/>
-              </a:rPr>
-              <a:t> time </a:t>
-            </a:r>
-            <a:r>
-              <a:rPr lang="de-DE" sz="2000" dirty="0" err="1">
-                <a:solidFill>
-                  <a:schemeClr val="bg1"/>
-                </a:solidFill>
-                <a:latin typeface="Lato Light" charset="0"/>
-                <a:ea typeface="Lato Light" charset="0"/>
-                <a:cs typeface="Lato Light" charset="0"/>
-              </a:rPr>
-              <a:t>waiting</a:t>
-            </a:r>
-            <a:r>
-              <a:rPr lang="de-DE" sz="2000" dirty="0">
-                <a:solidFill>
-                  <a:schemeClr val="bg1"/>
-                </a:solidFill>
-                <a:latin typeface="Lato Light" charset="0"/>
-                <a:ea typeface="Lato Light" charset="0"/>
-                <a:cs typeface="Lato Light" charset="0"/>
-              </a:rPr>
-              <a:t> </a:t>
-            </a:r>
-            <a:r>
-              <a:rPr lang="de-DE" sz="2000" dirty="0" err="1">
-                <a:solidFill>
-                  <a:schemeClr val="bg1"/>
-                </a:solidFill>
-                <a:latin typeface="Lato Light" charset="0"/>
-                <a:ea typeface="Lato Light" charset="0"/>
-                <a:cs typeface="Lato Light" charset="0"/>
-              </a:rPr>
-              <a:t>for</a:t>
-            </a:r>
-            <a:r>
-              <a:rPr lang="de-DE" sz="2000" dirty="0">
-                <a:solidFill>
-                  <a:schemeClr val="bg1"/>
-                </a:solidFill>
-                <a:latin typeface="Lato Light" charset="0"/>
-                <a:ea typeface="Lato Light" charset="0"/>
-                <a:cs typeface="Lato Light" charset="0"/>
-              </a:rPr>
-              <a:t> </a:t>
-            </a:r>
-            <a:r>
-              <a:rPr lang="de-DE" sz="2000" dirty="0" err="1">
-                <a:solidFill>
-                  <a:schemeClr val="bg1"/>
-                </a:solidFill>
-                <a:latin typeface="Lato Light" charset="0"/>
-                <a:ea typeface="Lato Light" charset="0"/>
-                <a:cs typeface="Lato Light" charset="0"/>
-              </a:rPr>
-              <a:t>the</a:t>
-            </a:r>
-            <a:r>
-              <a:rPr lang="de-DE" sz="2000" dirty="0">
-                <a:solidFill>
-                  <a:schemeClr val="bg1"/>
-                </a:solidFill>
-                <a:latin typeface="Lato Light" charset="0"/>
-                <a:ea typeface="Lato Light" charset="0"/>
-                <a:cs typeface="Lato Light" charset="0"/>
-              </a:rPr>
-              <a:t> </a:t>
-            </a:r>
-            <a:r>
-              <a:rPr lang="de-DE" sz="2000" dirty="0" err="1">
-                <a:solidFill>
-                  <a:schemeClr val="bg1"/>
-                </a:solidFill>
-                <a:latin typeface="Lato Light" charset="0"/>
-                <a:ea typeface="Lato Light" charset="0"/>
-                <a:cs typeface="Lato Light" charset="0"/>
-              </a:rPr>
-              <a:t>elevator</a:t>
-            </a:r>
-            <a:endParaRPr lang="de-DE" sz="2000" dirty="0">
-              <a:solidFill>
-                <a:schemeClr val="bg1"/>
-              </a:solidFill>
-              <a:latin typeface="Lato Light" charset="0"/>
-              <a:ea typeface="Lato Light" charset="0"/>
-              <a:cs typeface="Lato Light" charset="0"/>
-            </a:endParaRPr>
-          </a:p>
-          <a:p>
-            <a:pPr marL="342900" indent="-342900">
-              <a:buFont typeface="Arial" charset="0"/>
-              <a:buChar char="•"/>
-            </a:pPr>
-            <a:r>
-              <a:rPr lang="de-DE" sz="2000" dirty="0" err="1">
-                <a:solidFill>
-                  <a:schemeClr val="bg1"/>
-                </a:solidFill>
-                <a:latin typeface="Lato Light" charset="0"/>
-                <a:ea typeface="Lato Light" charset="0"/>
-                <a:cs typeface="Lato Light" charset="0"/>
-              </a:rPr>
-              <a:t>spending</a:t>
-            </a:r>
-            <a:r>
-              <a:rPr lang="de-DE" sz="2000" dirty="0">
-                <a:solidFill>
-                  <a:schemeClr val="bg1"/>
-                </a:solidFill>
-                <a:latin typeface="Lato Light" charset="0"/>
-                <a:ea typeface="Lato Light" charset="0"/>
-                <a:cs typeface="Lato Light" charset="0"/>
-              </a:rPr>
-              <a:t> time on </a:t>
-            </a:r>
-            <a:r>
-              <a:rPr lang="de-DE" sz="2000" dirty="0" err="1">
-                <a:solidFill>
-                  <a:schemeClr val="bg1"/>
-                </a:solidFill>
-                <a:latin typeface="Lato Light" charset="0"/>
-                <a:ea typeface="Lato Light" charset="0"/>
-                <a:cs typeface="Lato Light" charset="0"/>
-              </a:rPr>
-              <a:t>thing</a:t>
-            </a:r>
-            <a:r>
-              <a:rPr lang="de-DE" sz="2000" dirty="0">
-                <a:solidFill>
-                  <a:schemeClr val="bg1"/>
-                </a:solidFill>
-                <a:latin typeface="Lato Light" charset="0"/>
-                <a:ea typeface="Lato Light" charset="0"/>
-                <a:cs typeface="Lato Light" charset="0"/>
-              </a:rPr>
-              <a:t> </a:t>
-            </a:r>
-            <a:r>
-              <a:rPr lang="de-DE" sz="2000" dirty="0" err="1">
-                <a:solidFill>
-                  <a:schemeClr val="bg1"/>
-                </a:solidFill>
-                <a:latin typeface="Lato Light" charset="0"/>
-                <a:ea typeface="Lato Light" charset="0"/>
-                <a:cs typeface="Lato Light" charset="0"/>
-              </a:rPr>
-              <a:t>that</a:t>
-            </a:r>
-            <a:r>
-              <a:rPr lang="de-DE" sz="2000" dirty="0">
-                <a:solidFill>
-                  <a:schemeClr val="bg1"/>
-                </a:solidFill>
-                <a:latin typeface="Lato Light" charset="0"/>
-                <a:ea typeface="Lato Light" charset="0"/>
-                <a:cs typeface="Lato Light" charset="0"/>
-              </a:rPr>
-              <a:t> matter</a:t>
-            </a:r>
-          </a:p>
-          <a:p>
-            <a:pPr marL="342900" indent="-342900">
-              <a:buFont typeface="Arial" charset="0"/>
-              <a:buChar char="•"/>
-            </a:pPr>
-            <a:r>
-              <a:rPr lang="de-DE" sz="2000" dirty="0">
-                <a:solidFill>
-                  <a:schemeClr val="bg1"/>
-                </a:solidFill>
-                <a:latin typeface="Lato Light" charset="0"/>
-                <a:ea typeface="Lato Light" charset="0"/>
-                <a:cs typeface="Lato Light" charset="0"/>
-              </a:rPr>
-              <a:t>fastest </a:t>
-            </a:r>
-            <a:r>
-              <a:rPr lang="de-DE" sz="2000" dirty="0" err="1">
-                <a:solidFill>
-                  <a:schemeClr val="bg1"/>
-                </a:solidFill>
-                <a:latin typeface="Lato Light" charset="0"/>
-                <a:ea typeface="Lato Light" charset="0"/>
-                <a:cs typeface="Lato Light" charset="0"/>
-              </a:rPr>
-              <a:t>way</a:t>
-            </a:r>
-            <a:r>
-              <a:rPr lang="de-DE" sz="2000" dirty="0">
-                <a:solidFill>
-                  <a:schemeClr val="bg1"/>
-                </a:solidFill>
-                <a:latin typeface="Lato Light" charset="0"/>
-                <a:ea typeface="Lato Light" charset="0"/>
-                <a:cs typeface="Lato Light" charset="0"/>
-              </a:rPr>
-              <a:t> </a:t>
-            </a:r>
-            <a:r>
-              <a:rPr lang="de-DE" sz="2000" dirty="0" err="1">
-                <a:solidFill>
-                  <a:schemeClr val="bg1"/>
-                </a:solidFill>
-                <a:latin typeface="Lato Light" charset="0"/>
-                <a:ea typeface="Lato Light" charset="0"/>
-                <a:cs typeface="Lato Light" charset="0"/>
-              </a:rPr>
-              <a:t>to</a:t>
-            </a:r>
-            <a:r>
-              <a:rPr lang="de-DE" sz="2000" dirty="0">
-                <a:solidFill>
-                  <a:schemeClr val="bg1"/>
-                </a:solidFill>
-                <a:latin typeface="Lato Light" charset="0"/>
-                <a:ea typeface="Lato Light" charset="0"/>
-                <a:cs typeface="Lato Light" charset="0"/>
-              </a:rPr>
-              <a:t> </a:t>
-            </a:r>
-            <a:r>
-              <a:rPr lang="de-DE" sz="2000" dirty="0" err="1">
-                <a:solidFill>
-                  <a:schemeClr val="bg1"/>
-                </a:solidFill>
-                <a:latin typeface="Lato Light" charset="0"/>
-                <a:ea typeface="Lato Light" charset="0"/>
-                <a:cs typeface="Lato Light" charset="0"/>
-              </a:rPr>
-              <a:t>your</a:t>
-            </a:r>
-            <a:r>
-              <a:rPr lang="de-DE" sz="2000" dirty="0">
-                <a:solidFill>
-                  <a:schemeClr val="bg1"/>
-                </a:solidFill>
-                <a:latin typeface="Lato Light" charset="0"/>
-                <a:ea typeface="Lato Light" charset="0"/>
-                <a:cs typeface="Lato Light" charset="0"/>
-              </a:rPr>
-              <a:t> </a:t>
-            </a:r>
-            <a:r>
-              <a:rPr lang="de-DE" sz="2000" dirty="0" err="1">
-                <a:solidFill>
-                  <a:schemeClr val="bg1"/>
-                </a:solidFill>
-                <a:latin typeface="Lato Light" charset="0"/>
-                <a:ea typeface="Lato Light" charset="0"/>
-                <a:cs typeface="Lato Light" charset="0"/>
-              </a:rPr>
-              <a:t>destination</a:t>
-            </a:r>
-            <a:endParaRPr lang="de-DE" sz="2000" dirty="0">
-              <a:solidFill>
-                <a:schemeClr val="bg1"/>
-              </a:solidFill>
-              <a:latin typeface="Lato Light" charset="0"/>
-              <a:ea typeface="Lato Light" charset="0"/>
-              <a:cs typeface="Lato Light" charset="0"/>
-            </a:endParaRPr>
-          </a:p>
-          <a:p>
-            <a:pPr marL="342900" indent="-342900">
-              <a:buFont typeface="Arial" charset="0"/>
-              <a:buChar char="•"/>
-            </a:pPr>
-            <a:r>
-              <a:rPr lang="de-DE" sz="2000" dirty="0" err="1">
-                <a:solidFill>
-                  <a:schemeClr val="bg1"/>
-                </a:solidFill>
-                <a:latin typeface="Lato Light" charset="0"/>
-                <a:ea typeface="Lato Light" charset="0"/>
-                <a:cs typeface="Lato Light" charset="0"/>
-              </a:rPr>
-              <a:t>notification</a:t>
-            </a:r>
-            <a:r>
-              <a:rPr lang="de-DE" sz="2000" dirty="0">
-                <a:solidFill>
-                  <a:schemeClr val="bg1"/>
-                </a:solidFill>
-                <a:latin typeface="Lato Light" charset="0"/>
-                <a:ea typeface="Lato Light" charset="0"/>
-                <a:cs typeface="Lato Light" charset="0"/>
-              </a:rPr>
-              <a:t> </a:t>
-            </a:r>
-            <a:r>
-              <a:rPr lang="de-DE" sz="2000" dirty="0" err="1">
-                <a:solidFill>
-                  <a:schemeClr val="bg1"/>
-                </a:solidFill>
-                <a:latin typeface="Lato Light" charset="0"/>
-                <a:ea typeface="Lato Light" charset="0"/>
-                <a:cs typeface="Lato Light" charset="0"/>
-              </a:rPr>
-              <a:t>of</a:t>
-            </a:r>
-            <a:r>
-              <a:rPr lang="de-DE" sz="2000" dirty="0">
-                <a:solidFill>
-                  <a:schemeClr val="bg1"/>
-                </a:solidFill>
-                <a:latin typeface="Lato Light" charset="0"/>
-                <a:ea typeface="Lato Light" charset="0"/>
-                <a:cs typeface="Lato Light" charset="0"/>
-              </a:rPr>
-              <a:t> </a:t>
-            </a:r>
-            <a:r>
-              <a:rPr lang="de-DE" sz="2000" dirty="0" err="1">
-                <a:solidFill>
-                  <a:schemeClr val="bg1"/>
-                </a:solidFill>
-                <a:latin typeface="Lato Light" charset="0"/>
-                <a:ea typeface="Lato Light" charset="0"/>
-                <a:cs typeface="Lato Light" charset="0"/>
-              </a:rPr>
-              <a:t>the</a:t>
-            </a:r>
-            <a:r>
-              <a:rPr lang="de-DE" sz="2000" dirty="0">
-                <a:solidFill>
-                  <a:schemeClr val="bg1"/>
-                </a:solidFill>
-                <a:latin typeface="Lato Light" charset="0"/>
-                <a:ea typeface="Lato Light" charset="0"/>
-                <a:cs typeface="Lato Light" charset="0"/>
-              </a:rPr>
-              <a:t> </a:t>
-            </a:r>
-            <a:r>
-              <a:rPr lang="de-DE" sz="2000" dirty="0" err="1">
-                <a:solidFill>
-                  <a:schemeClr val="bg1"/>
-                </a:solidFill>
-                <a:latin typeface="Lato Light" charset="0"/>
-                <a:ea typeface="Lato Light" charset="0"/>
-                <a:cs typeface="Lato Light" charset="0"/>
-              </a:rPr>
-              <a:t>arrival</a:t>
-            </a:r>
-            <a:r>
-              <a:rPr lang="de-DE" sz="2000" dirty="0">
-                <a:solidFill>
-                  <a:schemeClr val="bg1"/>
-                </a:solidFill>
-                <a:latin typeface="Lato Light" charset="0"/>
-                <a:ea typeface="Lato Light" charset="0"/>
-                <a:cs typeface="Lato Light" charset="0"/>
-              </a:rPr>
-              <a:t> </a:t>
-            </a:r>
-            <a:r>
-              <a:rPr lang="de-DE" sz="2000" dirty="0" err="1">
-                <a:solidFill>
-                  <a:schemeClr val="bg1"/>
-                </a:solidFill>
-                <a:latin typeface="Lato Light" charset="0"/>
-                <a:ea typeface="Lato Light" charset="0"/>
-                <a:cs typeface="Lato Light" charset="0"/>
-              </a:rPr>
-              <a:t>of</a:t>
-            </a:r>
-            <a:r>
-              <a:rPr lang="de-DE" sz="2000" dirty="0">
-                <a:solidFill>
-                  <a:schemeClr val="bg1"/>
-                </a:solidFill>
-                <a:latin typeface="Lato Light" charset="0"/>
-                <a:ea typeface="Lato Light" charset="0"/>
-                <a:cs typeface="Lato Light" charset="0"/>
-              </a:rPr>
-              <a:t> </a:t>
-            </a:r>
-            <a:r>
-              <a:rPr lang="de-DE" sz="2000" dirty="0" err="1">
-                <a:solidFill>
-                  <a:schemeClr val="bg1"/>
-                </a:solidFill>
-                <a:latin typeface="Lato Light" charset="0"/>
-                <a:ea typeface="Lato Light" charset="0"/>
-                <a:cs typeface="Lato Light" charset="0"/>
-              </a:rPr>
-              <a:t>your</a:t>
-            </a:r>
-            <a:r>
-              <a:rPr lang="de-DE" sz="2000" dirty="0">
-                <a:solidFill>
-                  <a:schemeClr val="bg1"/>
-                </a:solidFill>
-                <a:latin typeface="Lato Light" charset="0"/>
-                <a:ea typeface="Lato Light" charset="0"/>
-                <a:cs typeface="Lato Light" charset="0"/>
-              </a:rPr>
-              <a:t> </a:t>
-            </a:r>
-            <a:r>
-              <a:rPr lang="de-DE" sz="2000" dirty="0" err="1">
-                <a:solidFill>
-                  <a:schemeClr val="bg1"/>
-                </a:solidFill>
-                <a:latin typeface="Lato Light" charset="0"/>
-                <a:ea typeface="Lato Light" charset="0"/>
-                <a:cs typeface="Lato Light" charset="0"/>
-              </a:rPr>
-              <a:t>elevator</a:t>
-            </a:r>
-            <a:endParaRPr lang="de-DE" sz="2000" dirty="0">
-              <a:solidFill>
-                <a:schemeClr val="bg1"/>
-              </a:solidFill>
-              <a:latin typeface="Lato Light" charset="0"/>
-              <a:ea typeface="Lato Light" charset="0"/>
-              <a:cs typeface="Lato Light" charset="0"/>
-            </a:endParaRPr>
-          </a:p>
-          <a:p>
-            <a:pPr marL="342900" indent="-342900">
-              <a:buFont typeface="Arial" charset="0"/>
-              <a:buChar char="•"/>
-            </a:pPr>
-            <a:endParaRPr lang="de-DE" sz="2000" dirty="0">
-              <a:solidFill>
-                <a:schemeClr val="bg1"/>
-              </a:solidFill>
-              <a:latin typeface="Lato Light" charset="0"/>
-              <a:ea typeface="Lato Light" charset="0"/>
-              <a:cs typeface="Lato Light" charset="0"/>
-            </a:endParaRPr>
-          </a:p>
-          <a:p>
-            <a:endParaRPr lang="de-DE" sz="2000" dirty="0">
-              <a:solidFill>
-                <a:schemeClr val="bg1"/>
-              </a:solidFill>
-              <a:latin typeface="Lato Light" charset="0"/>
-              <a:ea typeface="Lato Light" charset="0"/>
-              <a:cs typeface="Lato Light" charset="0"/>
-            </a:endParaRPr>
-          </a:p>
-          <a:p>
-            <a:endParaRPr lang="de-DE" sz="2000" dirty="0">
-              <a:solidFill>
-                <a:schemeClr val="bg1"/>
-              </a:solidFill>
-              <a:latin typeface="Lato Light" charset="0"/>
-              <a:ea typeface="Lato Light" charset="0"/>
-              <a:cs typeface="Lato Light" charset="0"/>
-            </a:endParaRPr>
-          </a:p>
-        </p:txBody>
-      </p:sp>
       <p:pic>
         <p:nvPicPr>
-          <p:cNvPr id="3" name="Bild 2" descr="business4.png"/>
+          <p:cNvPr id="10" name="Grafik 9">
+            <a:extLst>
+              <a:ext uri="{FF2B5EF4-FFF2-40B4-BE49-F238E27FC236}">
+                <a16:creationId xmlns:a16="http://schemas.microsoft.com/office/drawing/2014/main" id="{0C6347DB-5D92-4DBD-9F32-39C6B3A1B30C}"/>
+              </a:ext>
+            </a:extLst>
+          </p:cNvPr>
           <p:cNvPicPr>
             <a:picLocks noChangeAspect="1"/>
           </p:cNvPicPr>
           <p:nvPr/>
         </p:nvPicPr>
-        <p:blipFill>
-          <a:blip r:embed="rId3">
-            <a:extLst>
-              <a:ext uri="{28A0092B-C50C-407E-A947-70E740481C1C}">
-                <a14:useLocalDpi xmlns:a14="http://schemas.microsoft.com/office/drawing/2010/main" val="0"/>
-              </a:ext>
-            </a:extLst>
-          </a:blip>
-          <a:stretch>
-            <a:fillRect/>
-          </a:stretch>
+        <p:blipFill rotWithShape="1">
+          <a:blip r:embed="rId3"/>
+          <a:srcRect l="5412" t="9038" r="10006" b="9736"/>
+          <a:stretch/>
         </p:blipFill>
         <p:spPr>
           <a:xfrm>
-            <a:off x="5692338" y="777119"/>
-            <a:ext cx="6003476" cy="6003476"/>
+            <a:off x="10181492" y="213218"/>
+            <a:ext cx="1652954" cy="1123213"/>
           </a:xfrm>
           <a:prstGeom prst="rect">
             <a:avLst/>
@@ -7585,6 +7561,35 @@
           </a:p>
         </p:txBody>
       </p:sp>
+      <p:pic>
+        <p:nvPicPr>
+          <p:cNvPr id="3" name="Grafik 2">
+            <a:extLst>
+              <a:ext uri="{FF2B5EF4-FFF2-40B4-BE49-F238E27FC236}">
+                <a16:creationId xmlns:a16="http://schemas.microsoft.com/office/drawing/2014/main" id="{8B963F47-809F-4E13-B3B3-EEEB6CFEC8A6}"/>
+              </a:ext>
+            </a:extLst>
+          </p:cNvPr>
+          <p:cNvPicPr>
+            <a:picLocks noChangeAspect="1"/>
+          </p:cNvPicPr>
+          <p:nvPr/>
+        </p:nvPicPr>
+        <p:blipFill rotWithShape="1">
+          <a:blip r:embed="rId2"/>
+          <a:srcRect l="8112" t="7606" r="7757" b="11643"/>
+          <a:stretch/>
+        </p:blipFill>
+        <p:spPr>
+          <a:xfrm>
+            <a:off x="10234246" y="193431"/>
+            <a:ext cx="1644162" cy="1116624"/>
+          </a:xfrm>
+          <a:prstGeom prst="rect">
+            <a:avLst/>
+          </a:prstGeom>
+        </p:spPr>
+      </p:pic>
     </p:spTree>
     <p:extLst>
       <p:ext uri="{BB962C8B-B14F-4D97-AF65-F5344CB8AC3E}">

--- a/presentationHack4tk.pptx
+++ b/presentationHack4tk.pptx
@@ -4567,7 +4567,7 @@
                 <a:ea typeface="Lato Light" charset="0"/>
                 <a:cs typeface="Lato Light" charset="0"/>
               </a:rPr>
-              <a:t>cabine</a:t>
+              <a:t>cabin</a:t>
             </a:r>
             <a:r>
               <a:rPr lang="de-DE" dirty="0">
@@ -5057,7 +5057,7 @@
         <p:spPr>
           <a:xfrm>
             <a:off x="946484" y="3219243"/>
-            <a:ext cx="5051704" cy="2031325"/>
+            <a:ext cx="5244064" cy="2031325"/>
           </a:xfrm>
           <a:prstGeom prst="rect">
             <a:avLst/>
@@ -5224,7 +5224,7 @@
                 <a:ea typeface="Lato Light" charset="0"/>
                 <a:cs typeface="Lato Light" charset="0"/>
               </a:rPr>
-              <a:t>traveltimes</a:t>
+              <a:t>travel</a:t>
             </a:r>
             <a:r>
               <a:rPr lang="de-DE" dirty="0">
@@ -5246,6 +5246,28 @@
                 <a:ea typeface="Lato Light" charset="0"/>
                 <a:cs typeface="Lato Light" charset="0"/>
               </a:rPr>
+              <a:t>times</a:t>
+            </a:r>
+            <a:r>
+              <a:rPr lang="de-DE" dirty="0">
+                <a:solidFill>
+                  <a:schemeClr val="bg1"/>
+                </a:solidFill>
+                <a:latin typeface="Lato Light" charset="0"/>
+                <a:ea typeface="Lato Light" charset="0"/>
+                <a:cs typeface="Lato Light" charset="0"/>
+              </a:rPr>
+              <a:t> </a:t>
+            </a:r>
+            <a:r>
+              <a:rPr lang="de-DE" dirty="0" err="1">
+                <a:solidFill>
+                  <a:schemeClr val="bg1"/>
+                </a:solidFill>
+                <a:latin typeface="Lato Light" charset="0"/>
+                <a:ea typeface="Lato Light" charset="0"/>
+                <a:cs typeface="Lato Light" charset="0"/>
+              </a:rPr>
               <a:t>because</a:t>
             </a:r>
             <a:r>
@@ -5290,7 +5312,7 @@
                 <a:ea typeface="Lato Light" charset="0"/>
                 <a:cs typeface="Lato Light" charset="0"/>
               </a:rPr>
-              <a:t>unecessary</a:t>
+              <a:t>unnecessary</a:t>
             </a:r>
             <a:r>
               <a:rPr lang="de-DE" dirty="0">
@@ -6997,7 +7019,7 @@
                 <a:ea typeface="Lato Light" charset="0"/>
                 <a:cs typeface="Lato Light" charset="0"/>
               </a:rPr>
-              <a:t>thing</a:t>
+              <a:t>things</a:t>
             </a:r>
             <a:r>
               <a:rPr lang="de-DE" sz="2000" dirty="0">
